--- a/Diaz_Joaquim_4_presentation_122024.pptx
+++ b/Diaz_Joaquim_4_presentation_122024.pptx
@@ -5,7 +5,7 @@
     <p:sldMasterId id="2147483648" r:id="rId1"/>
   </p:sldMasterIdLst>
   <p:notesMasterIdLst>
-    <p:notesMasterId r:id="rId14"/>
+    <p:notesMasterId r:id="rId17"/>
   </p:notesMasterIdLst>
   <p:sldIdLst>
     <p:sldId id="259" r:id="rId2"/>
@@ -14,12 +14,15 @@
     <p:sldId id="258" r:id="rId5"/>
     <p:sldId id="256" r:id="rId6"/>
     <p:sldId id="257" r:id="rId7"/>
-    <p:sldId id="260" r:id="rId8"/>
-    <p:sldId id="262" r:id="rId9"/>
-    <p:sldId id="263" r:id="rId10"/>
-    <p:sldId id="261" r:id="rId11"/>
-    <p:sldId id="264" r:id="rId12"/>
-    <p:sldId id="267" r:id="rId13"/>
+    <p:sldId id="269" r:id="rId8"/>
+    <p:sldId id="270" r:id="rId9"/>
+    <p:sldId id="268" r:id="rId10"/>
+    <p:sldId id="260" r:id="rId11"/>
+    <p:sldId id="262" r:id="rId12"/>
+    <p:sldId id="263" r:id="rId13"/>
+    <p:sldId id="261" r:id="rId14"/>
+    <p:sldId id="264" r:id="rId15"/>
+    <p:sldId id="267" r:id="rId16"/>
   </p:sldIdLst>
   <p:sldSz cx="12192000" cy="6858000"/>
   <p:notesSz cx="6858000" cy="9144000"/>
@@ -118,6 +121,11 @@
       </a:defRPr>
     </a:lvl9pPr>
   </p:defaultTextStyle>
+  <p:extLst>
+    <p:ext uri="{EFAFB233-063F-42B5-8137-9DF3F51BA10A}">
+      <p15:sldGuideLst xmlns:p15="http://schemas.microsoft.com/office/powerpoint/2012/main"/>
+    </p:ext>
+  </p:extLst>
 </p:presentation>
 </file>
 
@@ -203,7 +211,7 @@
           <a:p>
             <a:fld id="{ACFE8658-D279-47E8-A3DE-0548043DC2BE}" type="datetimeFigureOut">
               <a:rPr lang="fr-FR" smtClean="0"/>
-              <a:t>21/12/2024</a:t>
+              <a:t>25/12/2024</a:t>
             </a:fld>
             <a:endParaRPr lang="fr-FR"/>
           </a:p>
@@ -619,7 +627,7 @@
           <a:p>
             <a:fld id="{484C8251-A489-496E-A1E5-3F71B1C942C8}" type="slidenum">
               <a:rPr lang="fr-FR" smtClean="0"/>
-              <a:t>8</a:t>
+              <a:t>7</a:t>
             </a:fld>
             <a:endParaRPr lang="fr-FR"/>
           </a:p>
@@ -628,7 +636,7 @@
     </p:spTree>
     <p:extLst>
       <p:ext uri="{BB962C8B-B14F-4D97-AF65-F5344CB8AC3E}">
-        <p14:creationId xmlns:p14="http://schemas.microsoft.com/office/powerpoint/2010/main" val="317749605"/>
+        <p14:creationId xmlns:p14="http://schemas.microsoft.com/office/powerpoint/2010/main" val="1430684168"/>
       </p:ext>
     </p:extLst>
   </p:cSld>
@@ -703,7 +711,7 @@
           <a:p>
             <a:fld id="{484C8251-A489-496E-A1E5-3F71B1C942C8}" type="slidenum">
               <a:rPr lang="fr-FR" smtClean="0"/>
-              <a:t>9</a:t>
+              <a:t>8</a:t>
             </a:fld>
             <a:endParaRPr lang="fr-FR"/>
           </a:p>
@@ -712,7 +720,7 @@
     </p:spTree>
     <p:extLst>
       <p:ext uri="{BB962C8B-B14F-4D97-AF65-F5344CB8AC3E}">
-        <p14:creationId xmlns:p14="http://schemas.microsoft.com/office/powerpoint/2010/main" val="3058596177"/>
+        <p14:creationId xmlns:p14="http://schemas.microsoft.com/office/powerpoint/2010/main" val="860929206"/>
       </p:ext>
     </p:extLst>
   </p:cSld>
@@ -796,7 +804,7 @@
     </p:spTree>
     <p:extLst>
       <p:ext uri="{BB962C8B-B14F-4D97-AF65-F5344CB8AC3E}">
-        <p14:creationId xmlns:p14="http://schemas.microsoft.com/office/powerpoint/2010/main" val="446286327"/>
+        <p14:creationId xmlns:p14="http://schemas.microsoft.com/office/powerpoint/2010/main" val="317749605"/>
       </p:ext>
     </p:extLst>
   </p:cSld>
@@ -872,6 +880,174 @@
             <a:fld id="{484C8251-A489-496E-A1E5-3F71B1C942C8}" type="slidenum">
               <a:rPr lang="fr-FR" smtClean="0"/>
               <a:t>12</a:t>
+            </a:fld>
+            <a:endParaRPr lang="fr-FR"/>
+          </a:p>
+        </p:txBody>
+      </p:sp>
+    </p:spTree>
+    <p:extLst>
+      <p:ext uri="{BB962C8B-B14F-4D97-AF65-F5344CB8AC3E}">
+        <p14:creationId xmlns:p14="http://schemas.microsoft.com/office/powerpoint/2010/main" val="3058596177"/>
+      </p:ext>
+    </p:extLst>
+  </p:cSld>
+  <p:clrMapOvr>
+    <a:masterClrMapping/>
+  </p:clrMapOvr>
+</p:notes>
+</file>
+
+<file path=ppt/notesSlides/notesSlide6.xml><?xml version="1.0" encoding="utf-8"?>
+<p:notes xmlns:a="http://schemas.openxmlformats.org/drawingml/2006/main" xmlns:r="http://schemas.openxmlformats.org/officeDocument/2006/relationships" xmlns:p="http://schemas.openxmlformats.org/presentationml/2006/main">
+  <p:cSld>
+    <p:spTree>
+      <p:nvGrpSpPr>
+        <p:cNvPr id="1" name=""/>
+        <p:cNvGrpSpPr/>
+        <p:nvPr/>
+      </p:nvGrpSpPr>
+      <p:grpSpPr>
+        <a:xfrm>
+          <a:off x="0" y="0"/>
+          <a:ext cx="0" cy="0"/>
+          <a:chOff x="0" y="0"/>
+          <a:chExt cx="0" cy="0"/>
+        </a:xfrm>
+      </p:grpSpPr>
+      <p:sp>
+        <p:nvSpPr>
+          <p:cNvPr id="2" name="Espace réservé de l'image des diapositives 1"/>
+          <p:cNvSpPr>
+            <a:spLocks noGrp="1" noRot="1" noChangeAspect="1"/>
+          </p:cNvSpPr>
+          <p:nvPr>
+            <p:ph type="sldImg"/>
+          </p:nvPr>
+        </p:nvSpPr>
+        <p:spPr/>
+      </p:sp>
+      <p:sp>
+        <p:nvSpPr>
+          <p:cNvPr id="3" name="Espace réservé des notes 2"/>
+          <p:cNvSpPr>
+            <a:spLocks noGrp="1"/>
+          </p:cNvSpPr>
+          <p:nvPr>
+            <p:ph type="body" idx="1"/>
+          </p:nvPr>
+        </p:nvSpPr>
+        <p:spPr/>
+        <p:txBody>
+          <a:bodyPr/>
+          <a:lstStyle/>
+          <a:p>
+            <a:endParaRPr lang="fr-FR" dirty="0"/>
+          </a:p>
+        </p:txBody>
+      </p:sp>
+      <p:sp>
+        <p:nvSpPr>
+          <p:cNvPr id="4" name="Espace réservé du numéro de diapositive 3"/>
+          <p:cNvSpPr>
+            <a:spLocks noGrp="1"/>
+          </p:cNvSpPr>
+          <p:nvPr>
+            <p:ph type="sldNum" sz="quarter" idx="5"/>
+          </p:nvPr>
+        </p:nvSpPr>
+        <p:spPr/>
+        <p:txBody>
+          <a:bodyPr/>
+          <a:lstStyle/>
+          <a:p>
+            <a:fld id="{484C8251-A489-496E-A1E5-3F71B1C942C8}" type="slidenum">
+              <a:rPr lang="fr-FR" smtClean="0"/>
+              <a:t>14</a:t>
+            </a:fld>
+            <a:endParaRPr lang="fr-FR"/>
+          </a:p>
+        </p:txBody>
+      </p:sp>
+    </p:spTree>
+    <p:extLst>
+      <p:ext uri="{BB962C8B-B14F-4D97-AF65-F5344CB8AC3E}">
+        <p14:creationId xmlns:p14="http://schemas.microsoft.com/office/powerpoint/2010/main" val="446286327"/>
+      </p:ext>
+    </p:extLst>
+  </p:cSld>
+  <p:clrMapOvr>
+    <a:masterClrMapping/>
+  </p:clrMapOvr>
+</p:notes>
+</file>
+
+<file path=ppt/notesSlides/notesSlide7.xml><?xml version="1.0" encoding="utf-8"?>
+<p:notes xmlns:a="http://schemas.openxmlformats.org/drawingml/2006/main" xmlns:r="http://schemas.openxmlformats.org/officeDocument/2006/relationships" xmlns:p="http://schemas.openxmlformats.org/presentationml/2006/main">
+  <p:cSld>
+    <p:spTree>
+      <p:nvGrpSpPr>
+        <p:cNvPr id="1" name=""/>
+        <p:cNvGrpSpPr/>
+        <p:nvPr/>
+      </p:nvGrpSpPr>
+      <p:grpSpPr>
+        <a:xfrm>
+          <a:off x="0" y="0"/>
+          <a:ext cx="0" cy="0"/>
+          <a:chOff x="0" y="0"/>
+          <a:chExt cx="0" cy="0"/>
+        </a:xfrm>
+      </p:grpSpPr>
+      <p:sp>
+        <p:nvSpPr>
+          <p:cNvPr id="2" name="Espace réservé de l'image des diapositives 1"/>
+          <p:cNvSpPr>
+            <a:spLocks noGrp="1" noRot="1" noChangeAspect="1"/>
+          </p:cNvSpPr>
+          <p:nvPr>
+            <p:ph type="sldImg"/>
+          </p:nvPr>
+        </p:nvSpPr>
+        <p:spPr/>
+      </p:sp>
+      <p:sp>
+        <p:nvSpPr>
+          <p:cNvPr id="3" name="Espace réservé des notes 2"/>
+          <p:cNvSpPr>
+            <a:spLocks noGrp="1"/>
+          </p:cNvSpPr>
+          <p:nvPr>
+            <p:ph type="body" idx="1"/>
+          </p:nvPr>
+        </p:nvSpPr>
+        <p:spPr/>
+        <p:txBody>
+          <a:bodyPr/>
+          <a:lstStyle/>
+          <a:p>
+            <a:endParaRPr lang="fr-FR" dirty="0"/>
+          </a:p>
+        </p:txBody>
+      </p:sp>
+      <p:sp>
+        <p:nvSpPr>
+          <p:cNvPr id="4" name="Espace réservé du numéro de diapositive 3"/>
+          <p:cNvSpPr>
+            <a:spLocks noGrp="1"/>
+          </p:cNvSpPr>
+          <p:nvPr>
+            <p:ph type="sldNum" sz="quarter" idx="5"/>
+          </p:nvPr>
+        </p:nvSpPr>
+        <p:spPr/>
+        <p:txBody>
+          <a:bodyPr/>
+          <a:lstStyle/>
+          <a:p>
+            <a:fld id="{484C8251-A489-496E-A1E5-3F71B1C942C8}" type="slidenum">
+              <a:rPr lang="fr-FR" smtClean="0"/>
+              <a:t>15</a:t>
             </a:fld>
             <a:endParaRPr lang="fr-FR"/>
           </a:p>
@@ -1037,7 +1213,7 @@
           <a:p>
             <a:fld id="{70BD2A8E-26B6-450F-B919-620D0E1D0F48}" type="datetimeFigureOut">
               <a:rPr lang="fr-FR" smtClean="0"/>
-              <a:t>21/12/2024</a:t>
+              <a:t>25/12/2024</a:t>
             </a:fld>
             <a:endParaRPr lang="fr-FR"/>
           </a:p>
@@ -1235,7 +1411,7 @@
           <a:p>
             <a:fld id="{70BD2A8E-26B6-450F-B919-620D0E1D0F48}" type="datetimeFigureOut">
               <a:rPr lang="fr-FR" smtClean="0"/>
-              <a:t>21/12/2024</a:t>
+              <a:t>25/12/2024</a:t>
             </a:fld>
             <a:endParaRPr lang="fr-FR"/>
           </a:p>
@@ -1443,7 +1619,7 @@
           <a:p>
             <a:fld id="{70BD2A8E-26B6-450F-B919-620D0E1D0F48}" type="datetimeFigureOut">
               <a:rPr lang="fr-FR" smtClean="0"/>
-              <a:t>21/12/2024</a:t>
+              <a:t>25/12/2024</a:t>
             </a:fld>
             <a:endParaRPr lang="fr-FR"/>
           </a:p>
@@ -1641,7 +1817,7 @@
           <a:p>
             <a:fld id="{70BD2A8E-26B6-450F-B919-620D0E1D0F48}" type="datetimeFigureOut">
               <a:rPr lang="fr-FR" smtClean="0"/>
-              <a:t>21/12/2024</a:t>
+              <a:t>25/12/2024</a:t>
             </a:fld>
             <a:endParaRPr lang="fr-FR"/>
           </a:p>
@@ -1916,7 +2092,7 @@
           <a:p>
             <a:fld id="{70BD2A8E-26B6-450F-B919-620D0E1D0F48}" type="datetimeFigureOut">
               <a:rPr lang="fr-FR" smtClean="0"/>
-              <a:t>21/12/2024</a:t>
+              <a:t>25/12/2024</a:t>
             </a:fld>
             <a:endParaRPr lang="fr-FR"/>
           </a:p>
@@ -2181,7 +2357,7 @@
           <a:p>
             <a:fld id="{70BD2A8E-26B6-450F-B919-620D0E1D0F48}" type="datetimeFigureOut">
               <a:rPr lang="fr-FR" smtClean="0"/>
-              <a:t>21/12/2024</a:t>
+              <a:t>25/12/2024</a:t>
             </a:fld>
             <a:endParaRPr lang="fr-FR"/>
           </a:p>
@@ -2593,7 +2769,7 @@
           <a:p>
             <a:fld id="{70BD2A8E-26B6-450F-B919-620D0E1D0F48}" type="datetimeFigureOut">
               <a:rPr lang="fr-FR" smtClean="0"/>
-              <a:t>21/12/2024</a:t>
+              <a:t>25/12/2024</a:t>
             </a:fld>
             <a:endParaRPr lang="fr-FR"/>
           </a:p>
@@ -2734,7 +2910,7 @@
           <a:p>
             <a:fld id="{70BD2A8E-26B6-450F-B919-620D0E1D0F48}" type="datetimeFigureOut">
               <a:rPr lang="fr-FR" smtClean="0"/>
-              <a:t>21/12/2024</a:t>
+              <a:t>25/12/2024</a:t>
             </a:fld>
             <a:endParaRPr lang="fr-FR"/>
           </a:p>
@@ -2847,7 +3023,7 @@
           <a:p>
             <a:fld id="{70BD2A8E-26B6-450F-B919-620D0E1D0F48}" type="datetimeFigureOut">
               <a:rPr lang="fr-FR" smtClean="0"/>
-              <a:t>21/12/2024</a:t>
+              <a:t>25/12/2024</a:t>
             </a:fld>
             <a:endParaRPr lang="fr-FR"/>
           </a:p>
@@ -3158,7 +3334,7 @@
           <a:p>
             <a:fld id="{70BD2A8E-26B6-450F-B919-620D0E1D0F48}" type="datetimeFigureOut">
               <a:rPr lang="fr-FR" smtClean="0"/>
-              <a:t>21/12/2024</a:t>
+              <a:t>25/12/2024</a:t>
             </a:fld>
             <a:endParaRPr lang="fr-FR"/>
           </a:p>
@@ -3446,7 +3622,7 @@
           <a:p>
             <a:fld id="{70BD2A8E-26B6-450F-B919-620D0E1D0F48}" type="datetimeFigureOut">
               <a:rPr lang="fr-FR" smtClean="0"/>
-              <a:t>21/12/2024</a:t>
+              <a:t>25/12/2024</a:t>
             </a:fld>
             <a:endParaRPr lang="fr-FR"/>
           </a:p>
@@ -3687,7 +3863,7 @@
           <a:p>
             <a:fld id="{70BD2A8E-26B6-450F-B919-620D0E1D0F48}" type="datetimeFigureOut">
               <a:rPr lang="fr-FR" smtClean="0"/>
-              <a:t>21/12/2024</a:t>
+              <a:t>25/12/2024</a:t>
             </a:fld>
             <a:endParaRPr lang="fr-FR"/>
           </a:p>
@@ -3780,52 +3956,6 @@
               <a:t>‹N°›</a:t>
             </a:fld>
             <a:endParaRPr lang="fr-FR"/>
-          </a:p>
-        </p:txBody>
-      </p:sp>
-      <p:sp>
-        <p:nvSpPr>
-          <p:cNvPr id="8" name="ZoneTexte 7">
-            <a:extLst>
-              <a:ext uri="{FF2B5EF4-FFF2-40B4-BE49-F238E27FC236}">
-                <a16:creationId xmlns:a16="http://schemas.microsoft.com/office/drawing/2014/main" id="{89E489F2-703B-5C7F-0A01-B3DC6711231F}"/>
-              </a:ext>
-            </a:extLst>
-          </p:cNvPr>
-          <p:cNvSpPr txBox="1"/>
-          <p:nvPr userDrawn="1">
-            <p:extLst>
-              <p:ext uri="{1162E1C5-73C7-4A58-AE30-91384D911F3F}">
-                <p184:classification xmlns:p184="http://schemas.microsoft.com/office/powerpoint/2018/4/main" val="ftr"/>
-              </p:ext>
-            </p:extLst>
-          </p:nvPr>
-        </p:nvSpPr>
-        <p:spPr>
-          <a:xfrm>
-            <a:off x="5649913" y="6672580"/>
-            <a:ext cx="920750" cy="121920"/>
-          </a:xfrm>
-          <a:prstGeom prst="rect">
-            <a:avLst/>
-          </a:prstGeom>
-        </p:spPr>
-        <p:txBody>
-          <a:bodyPr horzOverflow="overflow" lIns="0" tIns="0" rIns="0" bIns="0">
-            <a:spAutoFit/>
-          </a:bodyPr>
-          <a:lstStyle/>
-          <a:p>
-            <a:pPr algn="l"/>
-            <a:r>
-              <a:rPr lang="fr-FR" sz="800">
-                <a:solidFill>
-                  <a:srgbClr val="ED7D31"/>
-                </a:solidFill>
-                <a:latin typeface="Helvetica 75 Bold" panose="020B0804020202020204" pitchFamily="34" charset="0"/>
-              </a:rPr>
-              <a:t>Orange Restricted</a:t>
-            </a:r>
           </a:p>
         </p:txBody>
       </p:sp>
@@ -4421,7 +4551,7 @@
             <a:pPr algn="ctr"/>
             <a:r>
               <a:rPr lang="fr-FR" sz="2800" dirty="0"/>
-              <a:t>Git repository</a:t>
+              <a:t>Mongo</a:t>
             </a:r>
           </a:p>
         </p:txBody>
@@ -4500,6 +4630,1204 @@
         </p:nvSpPr>
         <p:spPr>
           <a:xfrm>
+            <a:off x="4758431" y="2139518"/>
+            <a:ext cx="1571348" cy="230820"/>
+          </a:xfrm>
+          <a:prstGeom prst="rightArrow">
+            <a:avLst/>
+          </a:prstGeom>
+          <a:solidFill>
+            <a:schemeClr val="tx1"/>
+          </a:solidFill>
+        </p:spPr>
+        <p:style>
+          <a:lnRef idx="2">
+            <a:schemeClr val="accent1">
+              <a:shade val="15000"/>
+            </a:schemeClr>
+          </a:lnRef>
+          <a:fillRef idx="1">
+            <a:schemeClr val="accent1"/>
+          </a:fillRef>
+          <a:effectRef idx="0">
+            <a:schemeClr val="accent1"/>
+          </a:effectRef>
+          <a:fontRef idx="minor">
+            <a:schemeClr val="lt1"/>
+          </a:fontRef>
+        </p:style>
+        <p:txBody>
+          <a:bodyPr rtlCol="0" anchor="ctr"/>
+          <a:lstStyle/>
+          <a:p>
+            <a:pPr algn="ctr"/>
+            <a:endParaRPr lang="fr-FR" dirty="0"/>
+          </a:p>
+        </p:txBody>
+      </p:sp>
+      <p:pic>
+        <p:nvPicPr>
+          <p:cNvPr id="11" name="Image 10">
+            <a:extLst>
+              <a:ext uri="{FF2B5EF4-FFF2-40B4-BE49-F238E27FC236}">
+                <a16:creationId xmlns:a16="http://schemas.microsoft.com/office/drawing/2014/main" id="{E118D70A-BA6F-BB91-8239-D61718039F4C}"/>
+              </a:ext>
+            </a:extLst>
+          </p:cNvPr>
+          <p:cNvPicPr>
+            <a:picLocks noChangeAspect="1"/>
+          </p:cNvPicPr>
+          <p:nvPr/>
+        </p:nvPicPr>
+        <p:blipFill>
+          <a:blip r:embed="rId3"/>
+          <a:stretch>
+            <a:fillRect/>
+          </a:stretch>
+        </p:blipFill>
+        <p:spPr>
+          <a:xfrm>
+            <a:off x="6535176" y="1900780"/>
+            <a:ext cx="2096492" cy="727009"/>
+          </a:xfrm>
+          <a:prstGeom prst="rect">
+            <a:avLst/>
+          </a:prstGeom>
+          <a:ln w="38100" cap="sq">
+            <a:solidFill>
+              <a:srgbClr val="000000"/>
+            </a:solidFill>
+            <a:prstDash val="solid"/>
+            <a:miter lim="800000"/>
+          </a:ln>
+          <a:effectLst>
+            <a:outerShdw blurRad="50800" dist="38100" dir="2700000" algn="tl" rotWithShape="0">
+              <a:srgbClr val="000000">
+                <a:alpha val="43000"/>
+              </a:srgbClr>
+            </a:outerShdw>
+          </a:effectLst>
+        </p:spPr>
+      </p:pic>
+    </p:spTree>
+    <p:extLst>
+      <p:ext uri="{BB962C8B-B14F-4D97-AF65-F5344CB8AC3E}">
+        <p14:creationId xmlns:p14="http://schemas.microsoft.com/office/powerpoint/2010/main" val="3490070611"/>
+      </p:ext>
+    </p:extLst>
+  </p:cSld>
+  <p:clrMapOvr>
+    <a:masterClrMapping/>
+  </p:clrMapOvr>
+</p:sld>
+</file>
+
+<file path=ppt/slides/slide11.xml><?xml version="1.0" encoding="utf-8"?>
+<p:sld xmlns:a="http://schemas.openxmlformats.org/drawingml/2006/main" xmlns:r="http://schemas.openxmlformats.org/officeDocument/2006/relationships" xmlns:p="http://schemas.openxmlformats.org/presentationml/2006/main">
+  <p:cSld>
+    <p:spTree>
+      <p:nvGrpSpPr>
+        <p:cNvPr id="1" name=""/>
+        <p:cNvGrpSpPr/>
+        <p:nvPr/>
+      </p:nvGrpSpPr>
+      <p:grpSpPr>
+        <a:xfrm>
+          <a:off x="0" y="0"/>
+          <a:ext cx="0" cy="0"/>
+          <a:chOff x="0" y="0"/>
+          <a:chExt cx="0" cy="0"/>
+        </a:xfrm>
+      </p:grpSpPr>
+      <p:sp>
+        <p:nvSpPr>
+          <p:cNvPr id="5" name="ZoneTexte 4">
+            <a:extLst>
+              <a:ext uri="{FF2B5EF4-FFF2-40B4-BE49-F238E27FC236}">
+                <a16:creationId xmlns:a16="http://schemas.microsoft.com/office/drawing/2014/main" id="{0B2ED8B8-0727-741A-1C56-E3DE1A1767EA}"/>
+              </a:ext>
+            </a:extLst>
+          </p:cNvPr>
+          <p:cNvSpPr txBox="1"/>
+          <p:nvPr/>
+        </p:nvSpPr>
+        <p:spPr>
+          <a:xfrm>
+            <a:off x="10204141" y="6084503"/>
+            <a:ext cx="1665303" cy="369332"/>
+          </a:xfrm>
+          <a:prstGeom prst="rect">
+            <a:avLst/>
+          </a:prstGeom>
+        </p:spPr>
+        <p:style>
+          <a:lnRef idx="1">
+            <a:schemeClr val="dk1"/>
+          </a:lnRef>
+          <a:fillRef idx="3">
+            <a:schemeClr val="dk1"/>
+          </a:fillRef>
+          <a:effectRef idx="2">
+            <a:schemeClr val="dk1"/>
+          </a:effectRef>
+          <a:fontRef idx="minor">
+            <a:schemeClr val="lt1"/>
+          </a:fontRef>
+        </p:style>
+        <p:txBody>
+          <a:bodyPr wrap="square" rtlCol="0">
+            <a:spAutoFit/>
+          </a:bodyPr>
+          <a:lstStyle/>
+          <a:p>
+            <a:r>
+              <a:rPr lang="fr-FR" dirty="0">
+                <a:latin typeface="Sanskrit Text" panose="020B0502040204020203" pitchFamily="18" charset="0"/>
+                <a:cs typeface="Sanskrit Text" panose="020B0502040204020203" pitchFamily="18" charset="0"/>
+              </a:rPr>
+              <a:t>DataSoluTech</a:t>
+            </a:r>
+          </a:p>
+        </p:txBody>
+      </p:sp>
+      <p:sp>
+        <p:nvSpPr>
+          <p:cNvPr id="6" name="ZoneTexte 5">
+            <a:extLst>
+              <a:ext uri="{FF2B5EF4-FFF2-40B4-BE49-F238E27FC236}">
+                <a16:creationId xmlns:a16="http://schemas.microsoft.com/office/drawing/2014/main" id="{0471F84D-0937-AC19-2FEB-1DC877F0D5A9}"/>
+              </a:ext>
+            </a:extLst>
+          </p:cNvPr>
+          <p:cNvSpPr txBox="1"/>
+          <p:nvPr/>
+        </p:nvSpPr>
+        <p:spPr>
+          <a:xfrm>
+            <a:off x="468324" y="381740"/>
+            <a:ext cx="4538682" cy="523220"/>
+          </a:xfrm>
+          <a:prstGeom prst="rect">
+            <a:avLst/>
+          </a:prstGeom>
+        </p:spPr>
+        <p:style>
+          <a:lnRef idx="3">
+            <a:schemeClr val="lt1"/>
+          </a:lnRef>
+          <a:fillRef idx="1">
+            <a:schemeClr val="dk1"/>
+          </a:fillRef>
+          <a:effectRef idx="1">
+            <a:schemeClr val="dk1"/>
+          </a:effectRef>
+          <a:fontRef idx="minor">
+            <a:schemeClr val="lt1"/>
+          </a:fontRef>
+        </p:style>
+        <p:txBody>
+          <a:bodyPr wrap="square" rtlCol="0">
+            <a:spAutoFit/>
+          </a:bodyPr>
+          <a:lstStyle/>
+          <a:p>
+            <a:pPr algn="ctr"/>
+            <a:r>
+              <a:rPr lang="fr-FR" sz="2800" dirty="0"/>
+              <a:t>init_mongo.js</a:t>
+            </a:r>
+          </a:p>
+        </p:txBody>
+      </p:sp>
+      <p:sp>
+        <p:nvSpPr>
+          <p:cNvPr id="2" name="ZoneTexte 1">
+            <a:extLst>
+              <a:ext uri="{FF2B5EF4-FFF2-40B4-BE49-F238E27FC236}">
+                <a16:creationId xmlns:a16="http://schemas.microsoft.com/office/drawing/2014/main" id="{F5E5F98C-8874-98C5-169D-5A9511B072B4}"/>
+              </a:ext>
+            </a:extLst>
+          </p:cNvPr>
+          <p:cNvSpPr txBox="1"/>
+          <p:nvPr/>
+        </p:nvSpPr>
+        <p:spPr>
+          <a:xfrm>
+            <a:off x="790113" y="1953088"/>
+            <a:ext cx="6747029" cy="2677656"/>
+          </a:xfrm>
+          <a:prstGeom prst="rect">
+            <a:avLst/>
+          </a:prstGeom>
+          <a:ln>
+            <a:solidFill>
+              <a:schemeClr val="tx1"/>
+            </a:solidFill>
+          </a:ln>
+          <a:effectLst>
+            <a:outerShdw blurRad="149987" dist="250190" dir="8460000" algn="ctr">
+              <a:srgbClr val="000000">
+                <a:alpha val="28000"/>
+              </a:srgbClr>
+            </a:outerShdw>
+          </a:effectLst>
+          <a:scene3d>
+            <a:camera prst="orthographicFront">
+              <a:rot lat="0" lon="0" rev="0"/>
+            </a:camera>
+            <a:lightRig rig="contrasting" dir="t">
+              <a:rot lat="0" lon="0" rev="1500000"/>
+            </a:lightRig>
+          </a:scene3d>
+          <a:sp3d prstMaterial="metal">
+            <a:bevelT w="88900" h="88900"/>
+          </a:sp3d>
+        </p:spPr>
+        <p:style>
+          <a:lnRef idx="2">
+            <a:schemeClr val="dk1"/>
+          </a:lnRef>
+          <a:fillRef idx="1">
+            <a:schemeClr val="lt1"/>
+          </a:fillRef>
+          <a:effectRef idx="0">
+            <a:schemeClr val="dk1"/>
+          </a:effectRef>
+          <a:fontRef idx="minor">
+            <a:schemeClr val="dk1"/>
+          </a:fontRef>
+        </p:style>
+        <p:txBody>
+          <a:bodyPr wrap="square" rtlCol="0" anchor="ctr">
+            <a:spAutoFit/>
+          </a:bodyPr>
+          <a:lstStyle/>
+          <a:p>
+            <a:pPr marL="342900" indent="-342900">
+              <a:lnSpc>
+                <a:spcPct val="150000"/>
+              </a:lnSpc>
+              <a:buFont typeface="Wingdings" panose="05000000000000000000" pitchFamily="2" charset="2"/>
+              <a:buChar char="§"/>
+            </a:pPr>
+            <a:r>
+              <a:rPr lang="fr-FR" sz="2400" dirty="0">
+                <a:ln w="0"/>
+                <a:solidFill>
+                  <a:schemeClr val="tx1"/>
+                </a:solidFill>
+                <a:effectLst>
+                  <a:outerShdw blurRad="38100" dist="19050" dir="2700000" algn="tl" rotWithShape="0">
+                    <a:schemeClr val="dk1">
+                      <a:alpha val="40000"/>
+                    </a:schemeClr>
+                  </a:outerShdw>
+                </a:effectLst>
+              </a:rPr>
+              <a:t>Création de la base et des collections</a:t>
+            </a:r>
+          </a:p>
+          <a:p>
+            <a:pPr marL="342900" indent="-342900">
+              <a:lnSpc>
+                <a:spcPct val="150000"/>
+              </a:lnSpc>
+              <a:buFont typeface="Wingdings" panose="05000000000000000000" pitchFamily="2" charset="2"/>
+              <a:buChar char="§"/>
+            </a:pPr>
+            <a:r>
+              <a:rPr lang="fr-FR" sz="2400" dirty="0">
+                <a:ln w="0"/>
+                <a:solidFill>
+                  <a:schemeClr val="tx1"/>
+                </a:solidFill>
+                <a:effectLst>
+                  <a:outerShdw blurRad="38100" dist="19050" dir="2700000" algn="tl" rotWithShape="0">
+                    <a:schemeClr val="dk1">
+                      <a:alpha val="40000"/>
+                    </a:schemeClr>
+                  </a:outerShdw>
+                </a:effectLst>
+              </a:rPr>
+              <a:t>Définis dans le fichier ‘.</a:t>
+            </a:r>
+            <a:r>
+              <a:rPr lang="fr-FR" sz="2400" dirty="0" err="1">
+                <a:ln w="0"/>
+                <a:solidFill>
+                  <a:schemeClr val="tx1"/>
+                </a:solidFill>
+                <a:effectLst>
+                  <a:outerShdw blurRad="38100" dist="19050" dir="2700000" algn="tl" rotWithShape="0">
+                    <a:schemeClr val="dk1">
+                      <a:alpha val="40000"/>
+                    </a:schemeClr>
+                  </a:outerShdw>
+                </a:effectLst>
+              </a:rPr>
+              <a:t>env</a:t>
+            </a:r>
+            <a:r>
+              <a:rPr lang="fr-FR" sz="2400" dirty="0">
+                <a:ln w="0"/>
+                <a:solidFill>
+                  <a:schemeClr val="tx1"/>
+                </a:solidFill>
+                <a:effectLst>
+                  <a:outerShdw blurRad="38100" dist="19050" dir="2700000" algn="tl" rotWithShape="0">
+                    <a:schemeClr val="dk1">
+                      <a:alpha val="40000"/>
+                    </a:schemeClr>
+                  </a:outerShdw>
+                </a:effectLst>
+              </a:rPr>
+              <a:t>’</a:t>
+            </a:r>
+          </a:p>
+          <a:p>
+            <a:pPr marL="342900" indent="-342900">
+              <a:lnSpc>
+                <a:spcPct val="150000"/>
+              </a:lnSpc>
+              <a:buFont typeface="Wingdings" panose="05000000000000000000" pitchFamily="2" charset="2"/>
+              <a:buChar char="§"/>
+            </a:pPr>
+            <a:r>
+              <a:rPr lang="fr-FR" sz="2400" dirty="0">
+                <a:ln w="0"/>
+                <a:solidFill>
+                  <a:schemeClr val="tx1"/>
+                </a:solidFill>
+                <a:effectLst>
+                  <a:outerShdw blurRad="38100" dist="19050" dir="2700000" algn="tl" rotWithShape="0">
+                    <a:schemeClr val="dk1">
+                      <a:alpha val="40000"/>
+                    </a:schemeClr>
+                  </a:outerShdw>
+                </a:effectLst>
+              </a:rPr>
+              <a:t>Création des index</a:t>
+            </a:r>
+          </a:p>
+          <a:p>
+            <a:pPr marL="342900" indent="-342900">
+              <a:lnSpc>
+                <a:spcPct val="150000"/>
+              </a:lnSpc>
+              <a:buFont typeface="Wingdings" panose="05000000000000000000" pitchFamily="2" charset="2"/>
+              <a:buChar char="§"/>
+            </a:pPr>
+            <a:r>
+              <a:rPr lang="fr-FR" sz="2400" dirty="0">
+                <a:ln w="0"/>
+                <a:solidFill>
+                  <a:schemeClr val="tx1"/>
+                </a:solidFill>
+                <a:effectLst>
+                  <a:outerShdw blurRad="38100" dist="19050" dir="2700000" algn="tl" rotWithShape="0">
+                    <a:schemeClr val="dk1">
+                      <a:alpha val="40000"/>
+                    </a:schemeClr>
+                  </a:outerShdw>
+                </a:effectLst>
+              </a:rPr>
+              <a:t>Validation des données : $</a:t>
+            </a:r>
+            <a:r>
+              <a:rPr lang="fr-FR" sz="2400" dirty="0" err="1">
+                <a:ln w="0"/>
+                <a:solidFill>
+                  <a:schemeClr val="tx1"/>
+                </a:solidFill>
+                <a:effectLst>
+                  <a:outerShdw blurRad="38100" dist="19050" dir="2700000" algn="tl" rotWithShape="0">
+                    <a:schemeClr val="dk1">
+                      <a:alpha val="40000"/>
+                    </a:schemeClr>
+                  </a:outerShdw>
+                </a:effectLst>
+              </a:rPr>
+              <a:t>jsonSchema</a:t>
+            </a:r>
+            <a:endParaRPr lang="fr-FR" sz="2400" dirty="0">
+              <a:ln w="0"/>
+              <a:solidFill>
+                <a:schemeClr val="tx1"/>
+              </a:solidFill>
+              <a:effectLst>
+                <a:outerShdw blurRad="38100" dist="19050" dir="2700000" algn="tl" rotWithShape="0">
+                  <a:schemeClr val="dk1">
+                    <a:alpha val="40000"/>
+                  </a:schemeClr>
+                </a:outerShdw>
+              </a:effectLst>
+            </a:endParaRPr>
+          </a:p>
+          <a:p>
+            <a:pPr marL="800100" lvl="1" indent="-342900">
+              <a:buFont typeface="Wingdings" panose="05000000000000000000" pitchFamily="2" charset="2"/>
+              <a:buChar char="§"/>
+            </a:pPr>
+            <a:endParaRPr lang="fr-FR" sz="2400" dirty="0">
+              <a:ln w="0"/>
+              <a:solidFill>
+                <a:schemeClr val="tx1"/>
+              </a:solidFill>
+              <a:effectLst>
+                <a:outerShdw blurRad="38100" dist="19050" dir="2700000" algn="tl" rotWithShape="0">
+                  <a:schemeClr val="dk1">
+                    <a:alpha val="40000"/>
+                  </a:schemeClr>
+                </a:outerShdw>
+              </a:effectLst>
+            </a:endParaRPr>
+          </a:p>
+        </p:txBody>
+      </p:sp>
+      <p:pic>
+        <p:nvPicPr>
+          <p:cNvPr id="10" name="Image 9">
+            <a:extLst>
+              <a:ext uri="{FF2B5EF4-FFF2-40B4-BE49-F238E27FC236}">
+                <a16:creationId xmlns:a16="http://schemas.microsoft.com/office/drawing/2014/main" id="{795CFEEF-1BCB-DEAC-FECA-A7FC5D6B6628}"/>
+              </a:ext>
+            </a:extLst>
+          </p:cNvPr>
+          <p:cNvPicPr>
+            <a:picLocks noChangeAspect="1"/>
+          </p:cNvPicPr>
+          <p:nvPr/>
+        </p:nvPicPr>
+        <p:blipFill>
+          <a:blip r:embed="rId3"/>
+          <a:stretch>
+            <a:fillRect/>
+          </a:stretch>
+        </p:blipFill>
+        <p:spPr>
+          <a:xfrm>
+            <a:off x="7885644" y="994014"/>
+            <a:ext cx="3983800" cy="4488170"/>
+          </a:xfrm>
+          <a:prstGeom prst="rect">
+            <a:avLst/>
+          </a:prstGeom>
+          <a:ln w="127000" cap="sq">
+            <a:solidFill>
+              <a:srgbClr val="000000"/>
+            </a:solidFill>
+            <a:miter lim="800000"/>
+          </a:ln>
+          <a:effectLst>
+            <a:outerShdw blurRad="57150" dist="50800" dir="2700000" algn="tl" rotWithShape="0">
+              <a:srgbClr val="000000">
+                <a:alpha val="40000"/>
+              </a:srgbClr>
+            </a:outerShdw>
+          </a:effectLst>
+        </p:spPr>
+      </p:pic>
+    </p:spTree>
+    <p:extLst>
+      <p:ext uri="{BB962C8B-B14F-4D97-AF65-F5344CB8AC3E}">
+        <p14:creationId xmlns:p14="http://schemas.microsoft.com/office/powerpoint/2010/main" val="1313238239"/>
+      </p:ext>
+    </p:extLst>
+  </p:cSld>
+  <p:clrMapOvr>
+    <a:masterClrMapping/>
+  </p:clrMapOvr>
+</p:sld>
+</file>
+
+<file path=ppt/slides/slide12.xml><?xml version="1.0" encoding="utf-8"?>
+<p:sld xmlns:a="http://schemas.openxmlformats.org/drawingml/2006/main" xmlns:r="http://schemas.openxmlformats.org/officeDocument/2006/relationships" xmlns:p="http://schemas.openxmlformats.org/presentationml/2006/main">
+  <p:cSld>
+    <p:spTree>
+      <p:nvGrpSpPr>
+        <p:cNvPr id="1" name=""/>
+        <p:cNvGrpSpPr/>
+        <p:nvPr/>
+      </p:nvGrpSpPr>
+      <p:grpSpPr>
+        <a:xfrm>
+          <a:off x="0" y="0"/>
+          <a:ext cx="0" cy="0"/>
+          <a:chOff x="0" y="0"/>
+          <a:chExt cx="0" cy="0"/>
+        </a:xfrm>
+      </p:grpSpPr>
+      <p:sp>
+        <p:nvSpPr>
+          <p:cNvPr id="5" name="ZoneTexte 4">
+            <a:extLst>
+              <a:ext uri="{FF2B5EF4-FFF2-40B4-BE49-F238E27FC236}">
+                <a16:creationId xmlns:a16="http://schemas.microsoft.com/office/drawing/2014/main" id="{0B2ED8B8-0727-741A-1C56-E3DE1A1767EA}"/>
+              </a:ext>
+            </a:extLst>
+          </p:cNvPr>
+          <p:cNvSpPr txBox="1"/>
+          <p:nvPr/>
+        </p:nvSpPr>
+        <p:spPr>
+          <a:xfrm>
+            <a:off x="10204141" y="6084503"/>
+            <a:ext cx="1665303" cy="369332"/>
+          </a:xfrm>
+          <a:prstGeom prst="rect">
+            <a:avLst/>
+          </a:prstGeom>
+        </p:spPr>
+        <p:style>
+          <a:lnRef idx="1">
+            <a:schemeClr val="dk1"/>
+          </a:lnRef>
+          <a:fillRef idx="3">
+            <a:schemeClr val="dk1"/>
+          </a:fillRef>
+          <a:effectRef idx="2">
+            <a:schemeClr val="dk1"/>
+          </a:effectRef>
+          <a:fontRef idx="minor">
+            <a:schemeClr val="lt1"/>
+          </a:fontRef>
+        </p:style>
+        <p:txBody>
+          <a:bodyPr wrap="square" rtlCol="0">
+            <a:spAutoFit/>
+          </a:bodyPr>
+          <a:lstStyle/>
+          <a:p>
+            <a:r>
+              <a:rPr lang="fr-FR" dirty="0">
+                <a:latin typeface="Sanskrit Text" panose="020B0502040204020203" pitchFamily="18" charset="0"/>
+                <a:cs typeface="Sanskrit Text" panose="020B0502040204020203" pitchFamily="18" charset="0"/>
+              </a:rPr>
+              <a:t>DataSoluTech</a:t>
+            </a:r>
+          </a:p>
+        </p:txBody>
+      </p:sp>
+      <p:sp>
+        <p:nvSpPr>
+          <p:cNvPr id="6" name="ZoneTexte 5">
+            <a:extLst>
+              <a:ext uri="{FF2B5EF4-FFF2-40B4-BE49-F238E27FC236}">
+                <a16:creationId xmlns:a16="http://schemas.microsoft.com/office/drawing/2014/main" id="{0471F84D-0937-AC19-2FEB-1DC877F0D5A9}"/>
+              </a:ext>
+            </a:extLst>
+          </p:cNvPr>
+          <p:cNvSpPr txBox="1"/>
+          <p:nvPr/>
+        </p:nvSpPr>
+        <p:spPr>
+          <a:xfrm>
+            <a:off x="468324" y="381740"/>
+            <a:ext cx="4538682" cy="523220"/>
+          </a:xfrm>
+          <a:prstGeom prst="rect">
+            <a:avLst/>
+          </a:prstGeom>
+        </p:spPr>
+        <p:style>
+          <a:lnRef idx="3">
+            <a:schemeClr val="lt1"/>
+          </a:lnRef>
+          <a:fillRef idx="1">
+            <a:schemeClr val="dk1"/>
+          </a:fillRef>
+          <a:effectRef idx="1">
+            <a:schemeClr val="dk1"/>
+          </a:effectRef>
+          <a:fontRef idx="minor">
+            <a:schemeClr val="lt1"/>
+          </a:fontRef>
+        </p:style>
+        <p:txBody>
+          <a:bodyPr wrap="square" rtlCol="0">
+            <a:spAutoFit/>
+          </a:bodyPr>
+          <a:lstStyle/>
+          <a:p>
+            <a:pPr algn="ctr"/>
+            <a:r>
+              <a:rPr lang="fr-FR" sz="2800" dirty="0"/>
+              <a:t>create_users.js</a:t>
+            </a:r>
+          </a:p>
+        </p:txBody>
+      </p:sp>
+      <p:sp>
+        <p:nvSpPr>
+          <p:cNvPr id="2" name="ZoneTexte 1">
+            <a:extLst>
+              <a:ext uri="{FF2B5EF4-FFF2-40B4-BE49-F238E27FC236}">
+                <a16:creationId xmlns:a16="http://schemas.microsoft.com/office/drawing/2014/main" id="{F5E5F98C-8874-98C5-169D-5A9511B072B4}"/>
+              </a:ext>
+            </a:extLst>
+          </p:cNvPr>
+          <p:cNvSpPr txBox="1"/>
+          <p:nvPr/>
+        </p:nvSpPr>
+        <p:spPr>
+          <a:xfrm>
+            <a:off x="790113" y="1399090"/>
+            <a:ext cx="6747029" cy="3785652"/>
+          </a:xfrm>
+          <a:prstGeom prst="rect">
+            <a:avLst/>
+          </a:prstGeom>
+          <a:ln>
+            <a:solidFill>
+              <a:schemeClr val="tx1"/>
+            </a:solidFill>
+          </a:ln>
+          <a:effectLst>
+            <a:outerShdw blurRad="149987" dist="250190" dir="8460000" algn="ctr">
+              <a:srgbClr val="000000">
+                <a:alpha val="28000"/>
+              </a:srgbClr>
+            </a:outerShdw>
+          </a:effectLst>
+          <a:scene3d>
+            <a:camera prst="orthographicFront">
+              <a:rot lat="0" lon="0" rev="0"/>
+            </a:camera>
+            <a:lightRig rig="contrasting" dir="t">
+              <a:rot lat="0" lon="0" rev="1500000"/>
+            </a:lightRig>
+          </a:scene3d>
+          <a:sp3d prstMaterial="metal">
+            <a:bevelT w="88900" h="88900"/>
+          </a:sp3d>
+        </p:spPr>
+        <p:style>
+          <a:lnRef idx="2">
+            <a:schemeClr val="dk1"/>
+          </a:lnRef>
+          <a:fillRef idx="1">
+            <a:schemeClr val="lt1"/>
+          </a:fillRef>
+          <a:effectRef idx="0">
+            <a:schemeClr val="dk1"/>
+          </a:effectRef>
+          <a:fontRef idx="minor">
+            <a:schemeClr val="dk1"/>
+          </a:fontRef>
+        </p:style>
+        <p:txBody>
+          <a:bodyPr wrap="square" rtlCol="0" anchor="ctr">
+            <a:spAutoFit/>
+          </a:bodyPr>
+          <a:lstStyle/>
+          <a:p>
+            <a:pPr marL="342900" indent="-342900">
+              <a:lnSpc>
+                <a:spcPct val="150000"/>
+              </a:lnSpc>
+              <a:buFont typeface="Wingdings" panose="05000000000000000000" pitchFamily="2" charset="2"/>
+              <a:buChar char="§"/>
+            </a:pPr>
+            <a:r>
+              <a:rPr lang="fr-FR" sz="2400" dirty="0">
+                <a:ln w="0"/>
+                <a:solidFill>
+                  <a:schemeClr val="tx1"/>
+                </a:solidFill>
+                <a:effectLst>
+                  <a:outerShdw blurRad="38100" dist="19050" dir="2700000" algn="tl" rotWithShape="0">
+                    <a:schemeClr val="dk1">
+                      <a:alpha val="40000"/>
+                    </a:schemeClr>
+                  </a:outerShdw>
+                </a:effectLst>
+              </a:rPr>
+              <a:t>Création des utilisateurs pour la base de données</a:t>
+            </a:r>
+          </a:p>
+          <a:p>
+            <a:pPr marL="342900" indent="-342900">
+              <a:lnSpc>
+                <a:spcPct val="150000"/>
+              </a:lnSpc>
+              <a:buFont typeface="Wingdings" panose="05000000000000000000" pitchFamily="2" charset="2"/>
+              <a:buChar char="§"/>
+            </a:pPr>
+            <a:r>
+              <a:rPr lang="fr-FR" sz="2400" u="sng" dirty="0">
+                <a:ln w="0"/>
+                <a:solidFill>
+                  <a:schemeClr val="tx1"/>
+                </a:solidFill>
+                <a:effectLst>
+                  <a:outerShdw blurRad="38100" dist="19050" dir="2700000" algn="tl" rotWithShape="0">
+                    <a:schemeClr val="dk1">
+                      <a:alpha val="40000"/>
+                    </a:schemeClr>
+                  </a:outerShdw>
+                </a:effectLst>
+              </a:rPr>
+              <a:t>3 profils de base </a:t>
+            </a:r>
+            <a:r>
+              <a:rPr lang="fr-FR" sz="2400" dirty="0">
+                <a:ln w="0"/>
+                <a:solidFill>
+                  <a:schemeClr val="tx1"/>
+                </a:solidFill>
+                <a:effectLst>
+                  <a:outerShdw blurRad="38100" dist="19050" dir="2700000" algn="tl" rotWithShape="0">
+                    <a:schemeClr val="dk1">
+                      <a:alpha val="40000"/>
+                    </a:schemeClr>
+                  </a:outerShdw>
+                </a:effectLst>
+              </a:rPr>
+              <a:t>:</a:t>
+            </a:r>
+          </a:p>
+          <a:p>
+            <a:pPr marL="914400" lvl="1" indent="-457200">
+              <a:lnSpc>
+                <a:spcPct val="150000"/>
+              </a:lnSpc>
+              <a:buFont typeface="Arial" panose="020B0604020202020204" pitchFamily="34" charset="0"/>
+              <a:buChar char="•"/>
+            </a:pPr>
+            <a:r>
+              <a:rPr lang="fr-FR" sz="2400" dirty="0">
+                <a:ln w="0"/>
+                <a:solidFill>
+                  <a:schemeClr val="tx1"/>
+                </a:solidFill>
+                <a:effectLst>
+                  <a:outerShdw blurRad="38100" dist="19050" dir="2700000" algn="tl" rotWithShape="0">
+                    <a:schemeClr val="dk1">
+                      <a:alpha val="40000"/>
+                    </a:schemeClr>
+                  </a:outerShdw>
+                </a:effectLst>
+              </a:rPr>
+              <a:t>Admin</a:t>
+            </a:r>
+          </a:p>
+          <a:p>
+            <a:pPr marL="914400" lvl="1" indent="-457200">
+              <a:lnSpc>
+                <a:spcPct val="150000"/>
+              </a:lnSpc>
+              <a:buFont typeface="Arial" panose="020B0604020202020204" pitchFamily="34" charset="0"/>
+              <a:buChar char="•"/>
+            </a:pPr>
+            <a:r>
+              <a:rPr lang="fr-FR" sz="2400" dirty="0" err="1">
+                <a:ln w="0"/>
+                <a:solidFill>
+                  <a:schemeClr val="tx1"/>
+                </a:solidFill>
+                <a:effectLst>
+                  <a:outerShdw blurRad="38100" dist="19050" dir="2700000" algn="tl" rotWithShape="0">
+                    <a:schemeClr val="dk1">
+                      <a:alpha val="40000"/>
+                    </a:schemeClr>
+                  </a:outerShdw>
+                </a:effectLst>
+              </a:rPr>
+              <a:t>Developper</a:t>
+            </a:r>
+            <a:endParaRPr lang="fr-FR" sz="2400" dirty="0">
+              <a:ln w="0"/>
+              <a:solidFill>
+                <a:schemeClr val="tx1"/>
+              </a:solidFill>
+              <a:effectLst>
+                <a:outerShdw blurRad="38100" dist="19050" dir="2700000" algn="tl" rotWithShape="0">
+                  <a:schemeClr val="dk1">
+                    <a:alpha val="40000"/>
+                  </a:schemeClr>
+                </a:outerShdw>
+              </a:effectLst>
+            </a:endParaRPr>
+          </a:p>
+          <a:p>
+            <a:pPr marL="914400" lvl="1" indent="-457200">
+              <a:lnSpc>
+                <a:spcPct val="150000"/>
+              </a:lnSpc>
+              <a:buFont typeface="Arial" panose="020B0604020202020204" pitchFamily="34" charset="0"/>
+              <a:buChar char="•"/>
+            </a:pPr>
+            <a:r>
+              <a:rPr lang="fr-FR" sz="2400" dirty="0">
+                <a:ln w="0"/>
+                <a:solidFill>
+                  <a:schemeClr val="tx1"/>
+                </a:solidFill>
+                <a:effectLst>
+                  <a:outerShdw blurRad="38100" dist="19050" dir="2700000" algn="tl" rotWithShape="0">
+                    <a:schemeClr val="dk1">
+                      <a:alpha val="40000"/>
+                    </a:schemeClr>
+                  </a:outerShdw>
+                </a:effectLst>
+              </a:rPr>
+              <a:t>Read </a:t>
+            </a:r>
+            <a:r>
+              <a:rPr lang="fr-FR" sz="2400" dirty="0" err="1">
+                <a:ln w="0"/>
+                <a:solidFill>
+                  <a:schemeClr val="tx1"/>
+                </a:solidFill>
+                <a:effectLst>
+                  <a:outerShdw blurRad="38100" dist="19050" dir="2700000" algn="tl" rotWithShape="0">
+                    <a:schemeClr val="dk1">
+                      <a:alpha val="40000"/>
+                    </a:schemeClr>
+                  </a:outerShdw>
+                </a:effectLst>
+              </a:rPr>
+              <a:t>Only</a:t>
+            </a:r>
+            <a:endParaRPr lang="fr-FR" sz="2400" dirty="0">
+              <a:ln w="0"/>
+              <a:solidFill>
+                <a:schemeClr val="tx1"/>
+              </a:solidFill>
+              <a:effectLst>
+                <a:outerShdw blurRad="38100" dist="19050" dir="2700000" algn="tl" rotWithShape="0">
+                  <a:schemeClr val="dk1">
+                    <a:alpha val="40000"/>
+                  </a:schemeClr>
+                </a:outerShdw>
+              </a:effectLst>
+            </a:endParaRPr>
+          </a:p>
+          <a:p>
+            <a:pPr marL="342900" indent="-342900">
+              <a:lnSpc>
+                <a:spcPct val="150000"/>
+              </a:lnSpc>
+              <a:buFont typeface="Wingdings" panose="05000000000000000000" pitchFamily="2" charset="2"/>
+              <a:buChar char="§"/>
+            </a:pPr>
+            <a:r>
+              <a:rPr lang="fr-FR" sz="2400" dirty="0">
+                <a:ln w="0"/>
+                <a:solidFill>
+                  <a:schemeClr val="tx1"/>
+                </a:solidFill>
+                <a:effectLst>
+                  <a:outerShdw blurRad="38100" dist="19050" dir="2700000" algn="tl" rotWithShape="0">
+                    <a:schemeClr val="dk1">
+                      <a:alpha val="40000"/>
+                    </a:schemeClr>
+                  </a:outerShdw>
+                </a:effectLst>
+              </a:rPr>
+              <a:t>Définis dans le fichier ‘.</a:t>
+            </a:r>
+            <a:r>
+              <a:rPr lang="fr-FR" sz="2400" dirty="0" err="1">
+                <a:ln w="0"/>
+                <a:solidFill>
+                  <a:schemeClr val="tx1"/>
+                </a:solidFill>
+                <a:effectLst>
+                  <a:outerShdw blurRad="38100" dist="19050" dir="2700000" algn="tl" rotWithShape="0">
+                    <a:schemeClr val="dk1">
+                      <a:alpha val="40000"/>
+                    </a:schemeClr>
+                  </a:outerShdw>
+                </a:effectLst>
+              </a:rPr>
+              <a:t>env</a:t>
+            </a:r>
+            <a:r>
+              <a:rPr lang="fr-FR" sz="2400" dirty="0">
+                <a:ln w="0"/>
+                <a:solidFill>
+                  <a:schemeClr val="tx1"/>
+                </a:solidFill>
+                <a:effectLst>
+                  <a:outerShdw blurRad="38100" dist="19050" dir="2700000" algn="tl" rotWithShape="0">
+                    <a:schemeClr val="dk1">
+                      <a:alpha val="40000"/>
+                    </a:schemeClr>
+                  </a:outerShdw>
+                </a:effectLst>
+              </a:rPr>
+              <a:t>’</a:t>
+            </a:r>
+          </a:p>
+          <a:p>
+            <a:pPr marL="800100" lvl="1" indent="-342900">
+              <a:buFont typeface="Wingdings" panose="05000000000000000000" pitchFamily="2" charset="2"/>
+              <a:buChar char="§"/>
+            </a:pPr>
+            <a:endParaRPr lang="fr-FR" sz="2400" dirty="0">
+              <a:ln w="0"/>
+              <a:solidFill>
+                <a:schemeClr val="tx1"/>
+              </a:solidFill>
+              <a:effectLst>
+                <a:outerShdw blurRad="38100" dist="19050" dir="2700000" algn="tl" rotWithShape="0">
+                  <a:schemeClr val="dk1">
+                    <a:alpha val="40000"/>
+                  </a:schemeClr>
+                </a:outerShdw>
+              </a:effectLst>
+            </a:endParaRPr>
+          </a:p>
+        </p:txBody>
+      </p:sp>
+      <p:pic>
+        <p:nvPicPr>
+          <p:cNvPr id="7" name="Image 6">
+            <a:extLst>
+              <a:ext uri="{FF2B5EF4-FFF2-40B4-BE49-F238E27FC236}">
+                <a16:creationId xmlns:a16="http://schemas.microsoft.com/office/drawing/2014/main" id="{9ED9FA42-D467-F333-B7E0-CEB0F9DEB8AC}"/>
+              </a:ext>
+            </a:extLst>
+          </p:cNvPr>
+          <p:cNvPicPr>
+            <a:picLocks noChangeAspect="1"/>
+          </p:cNvPicPr>
+          <p:nvPr/>
+        </p:nvPicPr>
+        <p:blipFill>
+          <a:blip r:embed="rId3"/>
+          <a:stretch>
+            <a:fillRect/>
+          </a:stretch>
+        </p:blipFill>
+        <p:spPr>
+          <a:xfrm>
+            <a:off x="7939966" y="1048805"/>
+            <a:ext cx="3929478" cy="4486222"/>
+          </a:xfrm>
+          <a:prstGeom prst="rect">
+            <a:avLst/>
+          </a:prstGeom>
+          <a:ln w="127000" cap="sq">
+            <a:solidFill>
+              <a:srgbClr val="000000"/>
+            </a:solidFill>
+            <a:miter lim="800000"/>
+          </a:ln>
+          <a:effectLst>
+            <a:outerShdw blurRad="57150" dist="50800" dir="2700000" algn="tl" rotWithShape="0">
+              <a:srgbClr val="000000">
+                <a:alpha val="40000"/>
+              </a:srgbClr>
+            </a:outerShdw>
+          </a:effectLst>
+        </p:spPr>
+      </p:pic>
+    </p:spTree>
+    <p:extLst>
+      <p:ext uri="{BB962C8B-B14F-4D97-AF65-F5344CB8AC3E}">
+        <p14:creationId xmlns:p14="http://schemas.microsoft.com/office/powerpoint/2010/main" val="510904899"/>
+      </p:ext>
+    </p:extLst>
+  </p:cSld>
+  <p:clrMapOvr>
+    <a:masterClrMapping/>
+  </p:clrMapOvr>
+</p:sld>
+</file>
+
+<file path=ppt/slides/slide13.xml><?xml version="1.0" encoding="utf-8"?>
+<p:sld xmlns:a="http://schemas.openxmlformats.org/drawingml/2006/main" xmlns:r="http://schemas.openxmlformats.org/officeDocument/2006/relationships" xmlns:p="http://schemas.openxmlformats.org/presentationml/2006/main">
+  <p:cSld>
+    <p:spTree>
+      <p:nvGrpSpPr>
+        <p:cNvPr id="1" name=""/>
+        <p:cNvGrpSpPr/>
+        <p:nvPr/>
+      </p:nvGrpSpPr>
+      <p:grpSpPr>
+        <a:xfrm>
+          <a:off x="0" y="0"/>
+          <a:ext cx="0" cy="0"/>
+          <a:chOff x="0" y="0"/>
+          <a:chExt cx="0" cy="0"/>
+        </a:xfrm>
+      </p:grpSpPr>
+      <p:sp>
+        <p:nvSpPr>
+          <p:cNvPr id="5" name="ZoneTexte 4">
+            <a:extLst>
+              <a:ext uri="{FF2B5EF4-FFF2-40B4-BE49-F238E27FC236}">
+                <a16:creationId xmlns:a16="http://schemas.microsoft.com/office/drawing/2014/main" id="{0B2ED8B8-0727-741A-1C56-E3DE1A1767EA}"/>
+              </a:ext>
+            </a:extLst>
+          </p:cNvPr>
+          <p:cNvSpPr txBox="1"/>
+          <p:nvPr/>
+        </p:nvSpPr>
+        <p:spPr>
+          <a:xfrm>
+            <a:off x="10204141" y="6084503"/>
+            <a:ext cx="1665303" cy="369332"/>
+          </a:xfrm>
+          <a:prstGeom prst="rect">
+            <a:avLst/>
+          </a:prstGeom>
+        </p:spPr>
+        <p:style>
+          <a:lnRef idx="1">
+            <a:schemeClr val="dk1"/>
+          </a:lnRef>
+          <a:fillRef idx="3">
+            <a:schemeClr val="dk1"/>
+          </a:fillRef>
+          <a:effectRef idx="2">
+            <a:schemeClr val="dk1"/>
+          </a:effectRef>
+          <a:fontRef idx="minor">
+            <a:schemeClr val="lt1"/>
+          </a:fontRef>
+        </p:style>
+        <p:txBody>
+          <a:bodyPr wrap="square" rtlCol="0">
+            <a:spAutoFit/>
+          </a:bodyPr>
+          <a:lstStyle/>
+          <a:p>
+            <a:r>
+              <a:rPr lang="fr-FR" dirty="0">
+                <a:latin typeface="Sanskrit Text" panose="020B0502040204020203" pitchFamily="18" charset="0"/>
+                <a:cs typeface="Sanskrit Text" panose="020B0502040204020203" pitchFamily="18" charset="0"/>
+              </a:rPr>
+              <a:t>DataSoluTech</a:t>
+            </a:r>
+          </a:p>
+        </p:txBody>
+      </p:sp>
+      <p:sp>
+        <p:nvSpPr>
+          <p:cNvPr id="6" name="ZoneTexte 5">
+            <a:extLst>
+              <a:ext uri="{FF2B5EF4-FFF2-40B4-BE49-F238E27FC236}">
+                <a16:creationId xmlns:a16="http://schemas.microsoft.com/office/drawing/2014/main" id="{0471F84D-0937-AC19-2FEB-1DC877F0D5A9}"/>
+              </a:ext>
+            </a:extLst>
+          </p:cNvPr>
+          <p:cNvSpPr txBox="1"/>
+          <p:nvPr/>
+        </p:nvSpPr>
+        <p:spPr>
+          <a:xfrm>
+            <a:off x="468324" y="381740"/>
+            <a:ext cx="4538682" cy="523220"/>
+          </a:xfrm>
+          <a:prstGeom prst="rect">
+            <a:avLst/>
+          </a:prstGeom>
+        </p:spPr>
+        <p:style>
+          <a:lnRef idx="3">
+            <a:schemeClr val="lt1"/>
+          </a:lnRef>
+          <a:fillRef idx="1">
+            <a:schemeClr val="dk1"/>
+          </a:fillRef>
+          <a:effectRef idx="1">
+            <a:schemeClr val="dk1"/>
+          </a:effectRef>
+          <a:fontRef idx="minor">
+            <a:schemeClr val="lt1"/>
+          </a:fontRef>
+        </p:style>
+        <p:txBody>
+          <a:bodyPr wrap="square" rtlCol="0">
+            <a:spAutoFit/>
+          </a:bodyPr>
+          <a:lstStyle/>
+          <a:p>
+            <a:pPr algn="ctr"/>
+            <a:r>
+              <a:rPr lang="fr-FR" sz="2800" dirty="0"/>
+              <a:t>Git repository</a:t>
+            </a:r>
+          </a:p>
+        </p:txBody>
+      </p:sp>
+      <p:pic>
+        <p:nvPicPr>
+          <p:cNvPr id="3" name="Image 2">
+            <a:extLst>
+              <a:ext uri="{FF2B5EF4-FFF2-40B4-BE49-F238E27FC236}">
+                <a16:creationId xmlns:a16="http://schemas.microsoft.com/office/drawing/2014/main" id="{7A8DE333-CBC2-455D-F0B4-903279CB310E}"/>
+              </a:ext>
+            </a:extLst>
+          </p:cNvPr>
+          <p:cNvPicPr>
+            <a:picLocks noChangeAspect="1"/>
+          </p:cNvPicPr>
+          <p:nvPr/>
+        </p:nvPicPr>
+        <p:blipFill>
+          <a:blip r:embed="rId2"/>
+          <a:stretch>
+            <a:fillRect/>
+          </a:stretch>
+        </p:blipFill>
+        <p:spPr>
+          <a:xfrm>
+            <a:off x="1967094" y="1521361"/>
+            <a:ext cx="3010320" cy="4010585"/>
+          </a:xfrm>
+          <a:prstGeom prst="rect">
+            <a:avLst/>
+          </a:prstGeom>
+          <a:solidFill>
+            <a:srgbClr val="FFFFFF">
+              <a:shade val="85000"/>
+            </a:srgbClr>
+          </a:solidFill>
+          <a:ln w="190500" cap="sq">
+            <a:solidFill>
+              <a:srgbClr val="FFFFFF"/>
+            </a:solidFill>
+            <a:miter lim="800000"/>
+          </a:ln>
+          <a:effectLst>
+            <a:outerShdw blurRad="55000" dist="18000" dir="5400000" algn="tl" rotWithShape="0">
+              <a:srgbClr val="000000">
+                <a:alpha val="40000"/>
+              </a:srgbClr>
+            </a:outerShdw>
+          </a:effectLst>
+          <a:scene3d>
+            <a:camera prst="orthographicFront"/>
+            <a:lightRig rig="twoPt" dir="t">
+              <a:rot lat="0" lon="0" rev="7200000"/>
+            </a:lightRig>
+          </a:scene3d>
+          <a:sp3d>
+            <a:bevelT w="25400" h="19050"/>
+            <a:contourClr>
+              <a:srgbClr val="FFFFFF"/>
+            </a:contourClr>
+          </a:sp3d>
+        </p:spPr>
+      </p:pic>
+      <p:sp>
+        <p:nvSpPr>
+          <p:cNvPr id="9" name="Flèche : droite 8">
+            <a:extLst>
+              <a:ext uri="{FF2B5EF4-FFF2-40B4-BE49-F238E27FC236}">
+                <a16:creationId xmlns:a16="http://schemas.microsoft.com/office/drawing/2014/main" id="{DF42A5C1-97EB-6D93-5268-FE32C1E54171}"/>
+              </a:ext>
+            </a:extLst>
+          </p:cNvPr>
+          <p:cNvSpPr/>
+          <p:nvPr/>
+        </p:nvSpPr>
+        <p:spPr>
+          <a:xfrm>
             <a:off x="4767308" y="2627789"/>
             <a:ext cx="1571348" cy="230820"/>
           </a:xfrm>
@@ -4592,7 +5920,7 @@
 </p:sld>
 </file>
 
-<file path=ppt/slides/slide11.xml><?xml version="1.0" encoding="utf-8"?>
+<file path=ppt/slides/slide14.xml><?xml version="1.0" encoding="utf-8"?>
 <p:sld xmlns:a="http://schemas.openxmlformats.org/drawingml/2006/main" xmlns:r="http://schemas.openxmlformats.org/officeDocument/2006/relationships" xmlns:p="http://schemas.openxmlformats.org/presentationml/2006/main">
   <p:cSld>
     <p:spTree>
@@ -5067,7 +6395,7 @@
 </p:sld>
 </file>
 
-<file path=ppt/slides/slide12.xml><?xml version="1.0" encoding="utf-8"?>
+<file path=ppt/slides/slide15.xml><?xml version="1.0" encoding="utf-8"?>
 <p:sld xmlns:a="http://schemas.openxmlformats.org/drawingml/2006/main" xmlns:r="http://schemas.openxmlformats.org/officeDocument/2006/relationships" xmlns:p="http://schemas.openxmlformats.org/presentationml/2006/main">
   <p:cSld>
     <p:spTree>
@@ -7932,42 +9260,6 @@
           </a:p>
         </p:txBody>
       </p:sp>
-      <p:pic>
-        <p:nvPicPr>
-          <p:cNvPr id="11" name="Image 10">
-            <a:extLst>
-              <a:ext uri="{FF2B5EF4-FFF2-40B4-BE49-F238E27FC236}">
-                <a16:creationId xmlns:a16="http://schemas.microsoft.com/office/drawing/2014/main" id="{1E5C1B87-81D7-4A14-124F-53A58F4883EF}"/>
-              </a:ext>
-            </a:extLst>
-          </p:cNvPr>
-          <p:cNvPicPr>
-            <a:picLocks noChangeAspect="1"/>
-          </p:cNvPicPr>
-          <p:nvPr/>
-        </p:nvPicPr>
-        <p:blipFill>
-          <a:blip r:embed="rId2">
-            <a:extLst>
-              <a:ext uri="{28A0092B-C50C-407E-A947-70E740481C1C}">
-                <a14:useLocalDpi xmlns:a14="http://schemas.microsoft.com/office/drawing/2010/main" val="0"/>
-              </a:ext>
-            </a:extLst>
-          </a:blip>
-          <a:stretch>
-            <a:fillRect/>
-          </a:stretch>
-        </p:blipFill>
-        <p:spPr>
-          <a:xfrm>
-            <a:off x="2709861" y="2318652"/>
-            <a:ext cx="6772275" cy="2771775"/>
-          </a:xfrm>
-          <a:prstGeom prst="rect">
-            <a:avLst/>
-          </a:prstGeom>
-        </p:spPr>
-      </p:pic>
       <p:sp>
         <p:nvSpPr>
           <p:cNvPr id="12" name="ZoneTexte 11">
@@ -8067,6 +9359,42 @@
           </a:p>
         </p:txBody>
       </p:sp>
+      <p:pic>
+        <p:nvPicPr>
+          <p:cNvPr id="3" name="Image 2">
+            <a:extLst>
+              <a:ext uri="{FF2B5EF4-FFF2-40B4-BE49-F238E27FC236}">
+                <a16:creationId xmlns:a16="http://schemas.microsoft.com/office/drawing/2014/main" id="{6DC67625-7DA1-26A7-D677-C2D178B7476E}"/>
+              </a:ext>
+            </a:extLst>
+          </p:cNvPr>
+          <p:cNvPicPr>
+            <a:picLocks noChangeAspect="1"/>
+          </p:cNvPicPr>
+          <p:nvPr/>
+        </p:nvPicPr>
+        <p:blipFill>
+          <a:blip r:embed="rId2">
+            <a:extLst>
+              <a:ext uri="{28A0092B-C50C-407E-A947-70E740481C1C}">
+                <a14:useLocalDpi xmlns:a14="http://schemas.microsoft.com/office/drawing/2010/main" val="0"/>
+              </a:ext>
+            </a:extLst>
+          </a:blip>
+          <a:stretch>
+            <a:fillRect/>
+          </a:stretch>
+        </p:blipFill>
+        <p:spPr>
+          <a:xfrm>
+            <a:off x="2709862" y="2043112"/>
+            <a:ext cx="6772275" cy="2771775"/>
+          </a:xfrm>
+          <a:prstGeom prst="rect">
+            <a:avLst/>
+          </a:prstGeom>
+        </p:spPr>
+      </p:pic>
     </p:spTree>
     <p:extLst>
       <p:ext uri="{BB962C8B-B14F-4D97-AF65-F5344CB8AC3E}">
@@ -8081,6 +9409,454 @@
 </file>
 
 <file path=ppt/slides/slide7.xml><?xml version="1.0" encoding="utf-8"?>
+<p:sld xmlns:a="http://schemas.openxmlformats.org/drawingml/2006/main" xmlns:r="http://schemas.openxmlformats.org/officeDocument/2006/relationships" xmlns:p="http://schemas.openxmlformats.org/presentationml/2006/main">
+  <p:cSld>
+    <p:spTree>
+      <p:nvGrpSpPr>
+        <p:cNvPr id="1" name=""/>
+        <p:cNvGrpSpPr/>
+        <p:nvPr/>
+      </p:nvGrpSpPr>
+      <p:grpSpPr>
+        <a:xfrm>
+          <a:off x="0" y="0"/>
+          <a:ext cx="0" cy="0"/>
+          <a:chOff x="0" y="0"/>
+          <a:chExt cx="0" cy="0"/>
+        </a:xfrm>
+      </p:grpSpPr>
+      <p:sp>
+        <p:nvSpPr>
+          <p:cNvPr id="5" name="ZoneTexte 4">
+            <a:extLst>
+              <a:ext uri="{FF2B5EF4-FFF2-40B4-BE49-F238E27FC236}">
+                <a16:creationId xmlns:a16="http://schemas.microsoft.com/office/drawing/2014/main" id="{0B2ED8B8-0727-741A-1C56-E3DE1A1767EA}"/>
+              </a:ext>
+            </a:extLst>
+          </p:cNvPr>
+          <p:cNvSpPr txBox="1"/>
+          <p:nvPr/>
+        </p:nvSpPr>
+        <p:spPr>
+          <a:xfrm>
+            <a:off x="10204141" y="6084503"/>
+            <a:ext cx="1665303" cy="369332"/>
+          </a:xfrm>
+          <a:prstGeom prst="rect">
+            <a:avLst/>
+          </a:prstGeom>
+        </p:spPr>
+        <p:style>
+          <a:lnRef idx="1">
+            <a:schemeClr val="dk1"/>
+          </a:lnRef>
+          <a:fillRef idx="3">
+            <a:schemeClr val="dk1"/>
+          </a:fillRef>
+          <a:effectRef idx="2">
+            <a:schemeClr val="dk1"/>
+          </a:effectRef>
+          <a:fontRef idx="minor">
+            <a:schemeClr val="lt1"/>
+          </a:fontRef>
+        </p:style>
+        <p:txBody>
+          <a:bodyPr wrap="square" rtlCol="0">
+            <a:spAutoFit/>
+          </a:bodyPr>
+          <a:lstStyle/>
+          <a:p>
+            <a:r>
+              <a:rPr lang="fr-FR" dirty="0">
+                <a:latin typeface="Sanskrit Text" panose="020B0502040204020203" pitchFamily="18" charset="0"/>
+                <a:cs typeface="Sanskrit Text" panose="020B0502040204020203" pitchFamily="18" charset="0"/>
+              </a:rPr>
+              <a:t>DataSoluTech</a:t>
+            </a:r>
+          </a:p>
+        </p:txBody>
+      </p:sp>
+      <p:sp>
+        <p:nvSpPr>
+          <p:cNvPr id="6" name="ZoneTexte 5">
+            <a:extLst>
+              <a:ext uri="{FF2B5EF4-FFF2-40B4-BE49-F238E27FC236}">
+                <a16:creationId xmlns:a16="http://schemas.microsoft.com/office/drawing/2014/main" id="{0471F84D-0937-AC19-2FEB-1DC877F0D5A9}"/>
+              </a:ext>
+            </a:extLst>
+          </p:cNvPr>
+          <p:cNvSpPr txBox="1"/>
+          <p:nvPr/>
+        </p:nvSpPr>
+        <p:spPr>
+          <a:xfrm>
+            <a:off x="468324" y="381740"/>
+            <a:ext cx="4538682" cy="523220"/>
+          </a:xfrm>
+          <a:prstGeom prst="rect">
+            <a:avLst/>
+          </a:prstGeom>
+        </p:spPr>
+        <p:style>
+          <a:lnRef idx="3">
+            <a:schemeClr val="lt1"/>
+          </a:lnRef>
+          <a:fillRef idx="1">
+            <a:schemeClr val="dk1"/>
+          </a:fillRef>
+          <a:effectRef idx="1">
+            <a:schemeClr val="dk1"/>
+          </a:effectRef>
+          <a:fontRef idx="minor">
+            <a:schemeClr val="lt1"/>
+          </a:fontRef>
+        </p:style>
+        <p:txBody>
+          <a:bodyPr wrap="square" rtlCol="0">
+            <a:spAutoFit/>
+          </a:bodyPr>
+          <a:lstStyle/>
+          <a:p>
+            <a:pPr algn="ctr"/>
+            <a:r>
+              <a:rPr lang="fr-FR" sz="2800" dirty="0"/>
+              <a:t>Conteneur mongo</a:t>
+            </a:r>
+          </a:p>
+        </p:txBody>
+      </p:sp>
+      <p:pic>
+        <p:nvPicPr>
+          <p:cNvPr id="4" name="Image 3">
+            <a:extLst>
+              <a:ext uri="{FF2B5EF4-FFF2-40B4-BE49-F238E27FC236}">
+                <a16:creationId xmlns:a16="http://schemas.microsoft.com/office/drawing/2014/main" id="{DBA15C2D-EF01-663E-FEF3-D7C82898C8EB}"/>
+              </a:ext>
+            </a:extLst>
+          </p:cNvPr>
+          <p:cNvPicPr>
+            <a:picLocks noChangeAspect="1"/>
+          </p:cNvPicPr>
+          <p:nvPr/>
+        </p:nvPicPr>
+        <p:blipFill>
+          <a:blip r:embed="rId3"/>
+          <a:stretch>
+            <a:fillRect/>
+          </a:stretch>
+        </p:blipFill>
+        <p:spPr>
+          <a:xfrm>
+            <a:off x="744641" y="1088303"/>
+            <a:ext cx="10347569" cy="4681393"/>
+          </a:xfrm>
+          <a:prstGeom prst="rect">
+            <a:avLst/>
+          </a:prstGeom>
+        </p:spPr>
+      </p:pic>
+    </p:spTree>
+    <p:extLst>
+      <p:ext uri="{BB962C8B-B14F-4D97-AF65-F5344CB8AC3E}">
+        <p14:creationId xmlns:p14="http://schemas.microsoft.com/office/powerpoint/2010/main" val="709891979"/>
+      </p:ext>
+    </p:extLst>
+  </p:cSld>
+  <p:clrMapOvr>
+    <a:masterClrMapping/>
+  </p:clrMapOvr>
+</p:sld>
+</file>
+
+<file path=ppt/slides/slide8.xml><?xml version="1.0" encoding="utf-8"?>
+<p:sld xmlns:a="http://schemas.openxmlformats.org/drawingml/2006/main" xmlns:r="http://schemas.openxmlformats.org/officeDocument/2006/relationships" xmlns:p="http://schemas.openxmlformats.org/presentationml/2006/main">
+  <p:cSld>
+    <p:spTree>
+      <p:nvGrpSpPr>
+        <p:cNvPr id="1" name=""/>
+        <p:cNvGrpSpPr/>
+        <p:nvPr/>
+      </p:nvGrpSpPr>
+      <p:grpSpPr>
+        <a:xfrm>
+          <a:off x="0" y="0"/>
+          <a:ext cx="0" cy="0"/>
+          <a:chOff x="0" y="0"/>
+          <a:chExt cx="0" cy="0"/>
+        </a:xfrm>
+      </p:grpSpPr>
+      <p:sp>
+        <p:nvSpPr>
+          <p:cNvPr id="5" name="ZoneTexte 4">
+            <a:extLst>
+              <a:ext uri="{FF2B5EF4-FFF2-40B4-BE49-F238E27FC236}">
+                <a16:creationId xmlns:a16="http://schemas.microsoft.com/office/drawing/2014/main" id="{0B2ED8B8-0727-741A-1C56-E3DE1A1767EA}"/>
+              </a:ext>
+            </a:extLst>
+          </p:cNvPr>
+          <p:cNvSpPr txBox="1"/>
+          <p:nvPr/>
+        </p:nvSpPr>
+        <p:spPr>
+          <a:xfrm>
+            <a:off x="10204141" y="6084503"/>
+            <a:ext cx="1665303" cy="369332"/>
+          </a:xfrm>
+          <a:prstGeom prst="rect">
+            <a:avLst/>
+          </a:prstGeom>
+        </p:spPr>
+        <p:style>
+          <a:lnRef idx="1">
+            <a:schemeClr val="dk1"/>
+          </a:lnRef>
+          <a:fillRef idx="3">
+            <a:schemeClr val="dk1"/>
+          </a:fillRef>
+          <a:effectRef idx="2">
+            <a:schemeClr val="dk1"/>
+          </a:effectRef>
+          <a:fontRef idx="minor">
+            <a:schemeClr val="lt1"/>
+          </a:fontRef>
+        </p:style>
+        <p:txBody>
+          <a:bodyPr wrap="square" rtlCol="0">
+            <a:spAutoFit/>
+          </a:bodyPr>
+          <a:lstStyle/>
+          <a:p>
+            <a:r>
+              <a:rPr lang="fr-FR" dirty="0">
+                <a:latin typeface="Sanskrit Text" panose="020B0502040204020203" pitchFamily="18" charset="0"/>
+                <a:cs typeface="Sanskrit Text" panose="020B0502040204020203" pitchFamily="18" charset="0"/>
+              </a:rPr>
+              <a:t>DataSoluTech</a:t>
+            </a:r>
+          </a:p>
+        </p:txBody>
+      </p:sp>
+      <p:sp>
+        <p:nvSpPr>
+          <p:cNvPr id="6" name="ZoneTexte 5">
+            <a:extLst>
+              <a:ext uri="{FF2B5EF4-FFF2-40B4-BE49-F238E27FC236}">
+                <a16:creationId xmlns:a16="http://schemas.microsoft.com/office/drawing/2014/main" id="{0471F84D-0937-AC19-2FEB-1DC877F0D5A9}"/>
+              </a:ext>
+            </a:extLst>
+          </p:cNvPr>
+          <p:cNvSpPr txBox="1"/>
+          <p:nvPr/>
+        </p:nvSpPr>
+        <p:spPr>
+          <a:xfrm>
+            <a:off x="468324" y="381740"/>
+            <a:ext cx="4538682" cy="523220"/>
+          </a:xfrm>
+          <a:prstGeom prst="rect">
+            <a:avLst/>
+          </a:prstGeom>
+        </p:spPr>
+        <p:style>
+          <a:lnRef idx="3">
+            <a:schemeClr val="lt1"/>
+          </a:lnRef>
+          <a:fillRef idx="1">
+            <a:schemeClr val="dk1"/>
+          </a:fillRef>
+          <a:effectRef idx="1">
+            <a:schemeClr val="dk1"/>
+          </a:effectRef>
+          <a:fontRef idx="minor">
+            <a:schemeClr val="lt1"/>
+          </a:fontRef>
+        </p:style>
+        <p:txBody>
+          <a:bodyPr wrap="square" rtlCol="0">
+            <a:spAutoFit/>
+          </a:bodyPr>
+          <a:lstStyle/>
+          <a:p>
+            <a:pPr algn="ctr"/>
+            <a:r>
+              <a:rPr lang="fr-FR" sz="2800" dirty="0"/>
+              <a:t>Conteneur python-csv</a:t>
+            </a:r>
+          </a:p>
+        </p:txBody>
+      </p:sp>
+      <p:pic>
+        <p:nvPicPr>
+          <p:cNvPr id="3" name="Image 2">
+            <a:extLst>
+              <a:ext uri="{FF2B5EF4-FFF2-40B4-BE49-F238E27FC236}">
+                <a16:creationId xmlns:a16="http://schemas.microsoft.com/office/drawing/2014/main" id="{A358D5C8-6276-0222-B36F-45B366EA91D2}"/>
+              </a:ext>
+            </a:extLst>
+          </p:cNvPr>
+          <p:cNvPicPr>
+            <a:picLocks noChangeAspect="1"/>
+          </p:cNvPicPr>
+          <p:nvPr/>
+        </p:nvPicPr>
+        <p:blipFill>
+          <a:blip r:embed="rId3"/>
+          <a:stretch>
+            <a:fillRect/>
+          </a:stretch>
+        </p:blipFill>
+        <p:spPr>
+          <a:xfrm>
+            <a:off x="1526602" y="2012766"/>
+            <a:ext cx="4077269" cy="2629267"/>
+          </a:xfrm>
+          <a:prstGeom prst="rect">
+            <a:avLst/>
+          </a:prstGeom>
+        </p:spPr>
+      </p:pic>
+      <p:pic>
+        <p:nvPicPr>
+          <p:cNvPr id="8" name="Image 7">
+            <a:extLst>
+              <a:ext uri="{FF2B5EF4-FFF2-40B4-BE49-F238E27FC236}">
+                <a16:creationId xmlns:a16="http://schemas.microsoft.com/office/drawing/2014/main" id="{6EE8C4CE-8A36-8F41-8C38-45D716E915D0}"/>
+              </a:ext>
+            </a:extLst>
+          </p:cNvPr>
+          <p:cNvPicPr>
+            <a:picLocks noChangeAspect="1"/>
+          </p:cNvPicPr>
+          <p:nvPr/>
+        </p:nvPicPr>
+        <p:blipFill>
+          <a:blip r:embed="rId4"/>
+          <a:stretch>
+            <a:fillRect/>
+          </a:stretch>
+        </p:blipFill>
+        <p:spPr>
+          <a:xfrm>
+            <a:off x="6559550" y="2398582"/>
+            <a:ext cx="4105848" cy="1857634"/>
+          </a:xfrm>
+          <a:prstGeom prst="rect">
+            <a:avLst/>
+          </a:prstGeom>
+        </p:spPr>
+      </p:pic>
+      <p:sp>
+        <p:nvSpPr>
+          <p:cNvPr id="9" name="ZoneTexte 8">
+            <a:extLst>
+              <a:ext uri="{FF2B5EF4-FFF2-40B4-BE49-F238E27FC236}">
+                <a16:creationId xmlns:a16="http://schemas.microsoft.com/office/drawing/2014/main" id="{214FBF45-F142-2BFF-597A-501A8E70C9E3}"/>
+              </a:ext>
+            </a:extLst>
+          </p:cNvPr>
+          <p:cNvSpPr txBox="1"/>
+          <p:nvPr/>
+        </p:nvSpPr>
+        <p:spPr>
+          <a:xfrm>
+            <a:off x="2225706" y="1474831"/>
+            <a:ext cx="2679059" cy="400110"/>
+          </a:xfrm>
+          <a:prstGeom prst="rect">
+            <a:avLst/>
+          </a:prstGeom>
+        </p:spPr>
+        <p:style>
+          <a:lnRef idx="2">
+            <a:schemeClr val="dk1"/>
+          </a:lnRef>
+          <a:fillRef idx="1">
+            <a:schemeClr val="lt1"/>
+          </a:fillRef>
+          <a:effectRef idx="0">
+            <a:schemeClr val="dk1"/>
+          </a:effectRef>
+          <a:fontRef idx="minor">
+            <a:schemeClr val="dk1"/>
+          </a:fontRef>
+        </p:style>
+        <p:txBody>
+          <a:bodyPr wrap="square" rtlCol="0">
+            <a:spAutoFit/>
+          </a:bodyPr>
+          <a:lstStyle/>
+          <a:p>
+            <a:pPr algn="ctr"/>
+            <a:r>
+              <a:rPr lang="fr-FR" sz="2000" dirty="0"/>
+              <a:t>docker-compose.yml</a:t>
+            </a:r>
+          </a:p>
+        </p:txBody>
+      </p:sp>
+      <p:sp>
+        <p:nvSpPr>
+          <p:cNvPr id="10" name="ZoneTexte 9">
+            <a:extLst>
+              <a:ext uri="{FF2B5EF4-FFF2-40B4-BE49-F238E27FC236}">
+                <a16:creationId xmlns:a16="http://schemas.microsoft.com/office/drawing/2014/main" id="{E8F56176-1B26-8FA8-9BFF-4E9DFA59225F}"/>
+              </a:ext>
+            </a:extLst>
+          </p:cNvPr>
+          <p:cNvSpPr txBox="1"/>
+          <p:nvPr/>
+        </p:nvSpPr>
+        <p:spPr>
+          <a:xfrm>
+            <a:off x="7365742" y="1812711"/>
+            <a:ext cx="2679059" cy="400110"/>
+          </a:xfrm>
+          <a:prstGeom prst="rect">
+            <a:avLst/>
+          </a:prstGeom>
+        </p:spPr>
+        <p:style>
+          <a:lnRef idx="2">
+            <a:schemeClr val="dk1"/>
+          </a:lnRef>
+          <a:fillRef idx="1">
+            <a:schemeClr val="lt1"/>
+          </a:fillRef>
+          <a:effectRef idx="0">
+            <a:schemeClr val="dk1"/>
+          </a:effectRef>
+          <a:fontRef idx="minor">
+            <a:schemeClr val="dk1"/>
+          </a:fontRef>
+        </p:style>
+        <p:txBody>
+          <a:bodyPr wrap="square" rtlCol="0">
+            <a:spAutoFit/>
+          </a:bodyPr>
+          <a:lstStyle/>
+          <a:p>
+            <a:pPr algn="ctr"/>
+            <a:r>
+              <a:rPr lang="fr-FR" sz="2000" dirty="0"/>
+              <a:t>dockerfile</a:t>
+            </a:r>
+          </a:p>
+        </p:txBody>
+      </p:sp>
+    </p:spTree>
+    <p:extLst>
+      <p:ext uri="{BB962C8B-B14F-4D97-AF65-F5344CB8AC3E}">
+        <p14:creationId xmlns:p14="http://schemas.microsoft.com/office/powerpoint/2010/main" val="4232079222"/>
+      </p:ext>
+    </p:extLst>
+  </p:cSld>
+  <p:clrMapOvr>
+    <a:masterClrMapping/>
+  </p:clrMapOvr>
+</p:sld>
+</file>
+
+<file path=ppt/slides/slide9.xml><?xml version="1.0" encoding="utf-8"?>
 <p:sld xmlns:a="http://schemas.openxmlformats.org/drawingml/2006/main" xmlns:r="http://schemas.openxmlformats.org/officeDocument/2006/relationships" xmlns:p="http://schemas.openxmlformats.org/presentationml/2006/main">
   <p:cSld>
     <p:spTree>
@@ -8257,1018 +10033,10 @@
           </a:sp3d>
         </p:spPr>
       </p:pic>
-      <p:sp>
-        <p:nvSpPr>
-          <p:cNvPr id="9" name="Flèche : droite 8">
-            <a:extLst>
-              <a:ext uri="{FF2B5EF4-FFF2-40B4-BE49-F238E27FC236}">
-                <a16:creationId xmlns:a16="http://schemas.microsoft.com/office/drawing/2014/main" id="{DF42A5C1-97EB-6D93-5268-FE32C1E54171}"/>
-              </a:ext>
-            </a:extLst>
-          </p:cNvPr>
-          <p:cNvSpPr/>
-          <p:nvPr/>
-        </p:nvSpPr>
-        <p:spPr>
-          <a:xfrm>
-            <a:off x="4758431" y="2139518"/>
-            <a:ext cx="1571348" cy="230820"/>
-          </a:xfrm>
-          <a:prstGeom prst="rightArrow">
-            <a:avLst/>
-          </a:prstGeom>
-          <a:solidFill>
-            <a:schemeClr val="tx1"/>
-          </a:solidFill>
-        </p:spPr>
-        <p:style>
-          <a:lnRef idx="2">
-            <a:schemeClr val="accent1">
-              <a:shade val="15000"/>
-            </a:schemeClr>
-          </a:lnRef>
-          <a:fillRef idx="1">
-            <a:schemeClr val="accent1"/>
-          </a:fillRef>
-          <a:effectRef idx="0">
-            <a:schemeClr val="accent1"/>
-          </a:effectRef>
-          <a:fontRef idx="minor">
-            <a:schemeClr val="lt1"/>
-          </a:fontRef>
-        </p:style>
-        <p:txBody>
-          <a:bodyPr rtlCol="0" anchor="ctr"/>
-          <a:lstStyle/>
-          <a:p>
-            <a:pPr algn="ctr"/>
-            <a:endParaRPr lang="fr-FR" dirty="0"/>
-          </a:p>
-        </p:txBody>
-      </p:sp>
-      <p:pic>
-        <p:nvPicPr>
-          <p:cNvPr id="11" name="Image 10">
-            <a:extLst>
-              <a:ext uri="{FF2B5EF4-FFF2-40B4-BE49-F238E27FC236}">
-                <a16:creationId xmlns:a16="http://schemas.microsoft.com/office/drawing/2014/main" id="{E118D70A-BA6F-BB91-8239-D61718039F4C}"/>
-              </a:ext>
-            </a:extLst>
-          </p:cNvPr>
-          <p:cNvPicPr>
-            <a:picLocks noChangeAspect="1"/>
-          </p:cNvPicPr>
-          <p:nvPr/>
-        </p:nvPicPr>
-        <p:blipFill>
-          <a:blip r:embed="rId3"/>
-          <a:stretch>
-            <a:fillRect/>
-          </a:stretch>
-        </p:blipFill>
-        <p:spPr>
-          <a:xfrm>
-            <a:off x="6535176" y="1900780"/>
-            <a:ext cx="2096492" cy="727009"/>
-          </a:xfrm>
-          <a:prstGeom prst="rect">
-            <a:avLst/>
-          </a:prstGeom>
-          <a:ln w="38100" cap="sq">
-            <a:solidFill>
-              <a:srgbClr val="000000"/>
-            </a:solidFill>
-            <a:prstDash val="solid"/>
-            <a:miter lim="800000"/>
-          </a:ln>
-          <a:effectLst>
-            <a:outerShdw blurRad="50800" dist="38100" dir="2700000" algn="tl" rotWithShape="0">
-              <a:srgbClr val="000000">
-                <a:alpha val="43000"/>
-              </a:srgbClr>
-            </a:outerShdw>
-          </a:effectLst>
-        </p:spPr>
-      </p:pic>
     </p:spTree>
     <p:extLst>
       <p:ext uri="{BB962C8B-B14F-4D97-AF65-F5344CB8AC3E}">
-        <p14:creationId xmlns:p14="http://schemas.microsoft.com/office/powerpoint/2010/main" val="3490070611"/>
-      </p:ext>
-    </p:extLst>
-  </p:cSld>
-  <p:clrMapOvr>
-    <a:masterClrMapping/>
-  </p:clrMapOvr>
-</p:sld>
-</file>
-
-<file path=ppt/slides/slide8.xml><?xml version="1.0" encoding="utf-8"?>
-<p:sld xmlns:a="http://schemas.openxmlformats.org/drawingml/2006/main" xmlns:r="http://schemas.openxmlformats.org/officeDocument/2006/relationships" xmlns:p="http://schemas.openxmlformats.org/presentationml/2006/main">
-  <p:cSld>
-    <p:spTree>
-      <p:nvGrpSpPr>
-        <p:cNvPr id="1" name=""/>
-        <p:cNvGrpSpPr/>
-        <p:nvPr/>
-      </p:nvGrpSpPr>
-      <p:grpSpPr>
-        <a:xfrm>
-          <a:off x="0" y="0"/>
-          <a:ext cx="0" cy="0"/>
-          <a:chOff x="0" y="0"/>
-          <a:chExt cx="0" cy="0"/>
-        </a:xfrm>
-      </p:grpSpPr>
-      <p:sp>
-        <p:nvSpPr>
-          <p:cNvPr id="5" name="ZoneTexte 4">
-            <a:extLst>
-              <a:ext uri="{FF2B5EF4-FFF2-40B4-BE49-F238E27FC236}">
-                <a16:creationId xmlns:a16="http://schemas.microsoft.com/office/drawing/2014/main" id="{0B2ED8B8-0727-741A-1C56-E3DE1A1767EA}"/>
-              </a:ext>
-            </a:extLst>
-          </p:cNvPr>
-          <p:cNvSpPr txBox="1"/>
-          <p:nvPr/>
-        </p:nvSpPr>
-        <p:spPr>
-          <a:xfrm>
-            <a:off x="10204141" y="6084503"/>
-            <a:ext cx="1665303" cy="369332"/>
-          </a:xfrm>
-          <a:prstGeom prst="rect">
-            <a:avLst/>
-          </a:prstGeom>
-        </p:spPr>
-        <p:style>
-          <a:lnRef idx="1">
-            <a:schemeClr val="dk1"/>
-          </a:lnRef>
-          <a:fillRef idx="3">
-            <a:schemeClr val="dk1"/>
-          </a:fillRef>
-          <a:effectRef idx="2">
-            <a:schemeClr val="dk1"/>
-          </a:effectRef>
-          <a:fontRef idx="minor">
-            <a:schemeClr val="lt1"/>
-          </a:fontRef>
-        </p:style>
-        <p:txBody>
-          <a:bodyPr wrap="square" rtlCol="0">
-            <a:spAutoFit/>
-          </a:bodyPr>
-          <a:lstStyle/>
-          <a:p>
-            <a:r>
-              <a:rPr lang="fr-FR" dirty="0">
-                <a:latin typeface="Sanskrit Text" panose="020B0502040204020203" pitchFamily="18" charset="0"/>
-                <a:cs typeface="Sanskrit Text" panose="020B0502040204020203" pitchFamily="18" charset="0"/>
-              </a:rPr>
-              <a:t>DataSoluTech</a:t>
-            </a:r>
-          </a:p>
-        </p:txBody>
-      </p:sp>
-      <p:sp>
-        <p:nvSpPr>
-          <p:cNvPr id="6" name="ZoneTexte 5">
-            <a:extLst>
-              <a:ext uri="{FF2B5EF4-FFF2-40B4-BE49-F238E27FC236}">
-                <a16:creationId xmlns:a16="http://schemas.microsoft.com/office/drawing/2014/main" id="{0471F84D-0937-AC19-2FEB-1DC877F0D5A9}"/>
-              </a:ext>
-            </a:extLst>
-          </p:cNvPr>
-          <p:cNvSpPr txBox="1"/>
-          <p:nvPr/>
-        </p:nvSpPr>
-        <p:spPr>
-          <a:xfrm>
-            <a:off x="468324" y="381740"/>
-            <a:ext cx="4538682" cy="523220"/>
-          </a:xfrm>
-          <a:prstGeom prst="rect">
-            <a:avLst/>
-          </a:prstGeom>
-        </p:spPr>
-        <p:style>
-          <a:lnRef idx="3">
-            <a:schemeClr val="lt1"/>
-          </a:lnRef>
-          <a:fillRef idx="1">
-            <a:schemeClr val="dk1"/>
-          </a:fillRef>
-          <a:effectRef idx="1">
-            <a:schemeClr val="dk1"/>
-          </a:effectRef>
-          <a:fontRef idx="minor">
-            <a:schemeClr val="lt1"/>
-          </a:fontRef>
-        </p:style>
-        <p:txBody>
-          <a:bodyPr wrap="square" rtlCol="0">
-            <a:spAutoFit/>
-          </a:bodyPr>
-          <a:lstStyle/>
-          <a:p>
-            <a:pPr algn="ctr"/>
-            <a:r>
-              <a:rPr lang="fr-FR" sz="2800" dirty="0"/>
-              <a:t>Init_mongo.js</a:t>
-            </a:r>
-          </a:p>
-        </p:txBody>
-      </p:sp>
-      <p:sp>
-        <p:nvSpPr>
-          <p:cNvPr id="2" name="ZoneTexte 1">
-            <a:extLst>
-              <a:ext uri="{FF2B5EF4-FFF2-40B4-BE49-F238E27FC236}">
-                <a16:creationId xmlns:a16="http://schemas.microsoft.com/office/drawing/2014/main" id="{F5E5F98C-8874-98C5-169D-5A9511B072B4}"/>
-              </a:ext>
-            </a:extLst>
-          </p:cNvPr>
-          <p:cNvSpPr txBox="1"/>
-          <p:nvPr/>
-        </p:nvSpPr>
-        <p:spPr>
-          <a:xfrm>
-            <a:off x="790113" y="1953088"/>
-            <a:ext cx="6747029" cy="2677656"/>
-          </a:xfrm>
-          <a:prstGeom prst="rect">
-            <a:avLst/>
-          </a:prstGeom>
-          <a:ln>
-            <a:solidFill>
-              <a:schemeClr val="tx1"/>
-            </a:solidFill>
-          </a:ln>
-          <a:effectLst>
-            <a:outerShdw blurRad="149987" dist="250190" dir="8460000" algn="ctr">
-              <a:srgbClr val="000000">
-                <a:alpha val="28000"/>
-              </a:srgbClr>
-            </a:outerShdw>
-          </a:effectLst>
-          <a:scene3d>
-            <a:camera prst="orthographicFront">
-              <a:rot lat="0" lon="0" rev="0"/>
-            </a:camera>
-            <a:lightRig rig="contrasting" dir="t">
-              <a:rot lat="0" lon="0" rev="1500000"/>
-            </a:lightRig>
-          </a:scene3d>
-          <a:sp3d prstMaterial="metal">
-            <a:bevelT w="88900" h="88900"/>
-          </a:sp3d>
-        </p:spPr>
-        <p:style>
-          <a:lnRef idx="2">
-            <a:schemeClr val="dk1"/>
-          </a:lnRef>
-          <a:fillRef idx="1">
-            <a:schemeClr val="lt1"/>
-          </a:fillRef>
-          <a:effectRef idx="0">
-            <a:schemeClr val="dk1"/>
-          </a:effectRef>
-          <a:fontRef idx="minor">
-            <a:schemeClr val="dk1"/>
-          </a:fontRef>
-        </p:style>
-        <p:txBody>
-          <a:bodyPr wrap="square" rtlCol="0" anchor="ctr">
-            <a:spAutoFit/>
-          </a:bodyPr>
-          <a:lstStyle/>
-          <a:p>
-            <a:pPr marL="342900" indent="-342900">
-              <a:lnSpc>
-                <a:spcPct val="150000"/>
-              </a:lnSpc>
-              <a:buFont typeface="Wingdings" panose="05000000000000000000" pitchFamily="2" charset="2"/>
-              <a:buChar char="§"/>
-            </a:pPr>
-            <a:r>
-              <a:rPr lang="fr-FR" sz="2400" dirty="0">
-                <a:ln w="0"/>
-                <a:solidFill>
-                  <a:schemeClr val="tx1"/>
-                </a:solidFill>
-                <a:effectLst>
-                  <a:outerShdw blurRad="38100" dist="19050" dir="2700000" algn="tl" rotWithShape="0">
-                    <a:schemeClr val="dk1">
-                      <a:alpha val="40000"/>
-                    </a:schemeClr>
-                  </a:outerShdw>
-                </a:effectLst>
-              </a:rPr>
-              <a:t>Création de la base et des collections</a:t>
-            </a:r>
-          </a:p>
-          <a:p>
-            <a:pPr marL="342900" indent="-342900">
-              <a:lnSpc>
-                <a:spcPct val="150000"/>
-              </a:lnSpc>
-              <a:buFont typeface="Wingdings" panose="05000000000000000000" pitchFamily="2" charset="2"/>
-              <a:buChar char="§"/>
-            </a:pPr>
-            <a:r>
-              <a:rPr lang="fr-FR" sz="2400" dirty="0">
-                <a:ln w="0"/>
-                <a:solidFill>
-                  <a:schemeClr val="tx1"/>
-                </a:solidFill>
-                <a:effectLst>
-                  <a:outerShdw blurRad="38100" dist="19050" dir="2700000" algn="tl" rotWithShape="0">
-                    <a:schemeClr val="dk1">
-                      <a:alpha val="40000"/>
-                    </a:schemeClr>
-                  </a:outerShdw>
-                </a:effectLst>
-              </a:rPr>
-              <a:t>Définis dans le fichier ‘.</a:t>
-            </a:r>
-            <a:r>
-              <a:rPr lang="fr-FR" sz="2400" dirty="0" err="1">
-                <a:ln w="0"/>
-                <a:solidFill>
-                  <a:schemeClr val="tx1"/>
-                </a:solidFill>
-                <a:effectLst>
-                  <a:outerShdw blurRad="38100" dist="19050" dir="2700000" algn="tl" rotWithShape="0">
-                    <a:schemeClr val="dk1">
-                      <a:alpha val="40000"/>
-                    </a:schemeClr>
-                  </a:outerShdw>
-                </a:effectLst>
-              </a:rPr>
-              <a:t>env</a:t>
-            </a:r>
-            <a:r>
-              <a:rPr lang="fr-FR" sz="2400" dirty="0">
-                <a:ln w="0"/>
-                <a:solidFill>
-                  <a:schemeClr val="tx1"/>
-                </a:solidFill>
-                <a:effectLst>
-                  <a:outerShdw blurRad="38100" dist="19050" dir="2700000" algn="tl" rotWithShape="0">
-                    <a:schemeClr val="dk1">
-                      <a:alpha val="40000"/>
-                    </a:schemeClr>
-                  </a:outerShdw>
-                </a:effectLst>
-              </a:rPr>
-              <a:t>’</a:t>
-            </a:r>
-          </a:p>
-          <a:p>
-            <a:pPr marL="342900" indent="-342900">
-              <a:lnSpc>
-                <a:spcPct val="150000"/>
-              </a:lnSpc>
-              <a:buFont typeface="Wingdings" panose="05000000000000000000" pitchFamily="2" charset="2"/>
-              <a:buChar char="§"/>
-            </a:pPr>
-            <a:r>
-              <a:rPr lang="fr-FR" sz="2400" dirty="0">
-                <a:ln w="0"/>
-                <a:solidFill>
-                  <a:schemeClr val="tx1"/>
-                </a:solidFill>
-                <a:effectLst>
-                  <a:outerShdw blurRad="38100" dist="19050" dir="2700000" algn="tl" rotWithShape="0">
-                    <a:schemeClr val="dk1">
-                      <a:alpha val="40000"/>
-                    </a:schemeClr>
-                  </a:outerShdw>
-                </a:effectLst>
-              </a:rPr>
-              <a:t>Création des index</a:t>
-            </a:r>
-          </a:p>
-          <a:p>
-            <a:pPr marL="342900" indent="-342900">
-              <a:lnSpc>
-                <a:spcPct val="150000"/>
-              </a:lnSpc>
-              <a:buFont typeface="Wingdings" panose="05000000000000000000" pitchFamily="2" charset="2"/>
-              <a:buChar char="§"/>
-            </a:pPr>
-            <a:r>
-              <a:rPr lang="fr-FR" sz="2400" dirty="0">
-                <a:ln w="0"/>
-                <a:solidFill>
-                  <a:schemeClr val="tx1"/>
-                </a:solidFill>
-                <a:effectLst>
-                  <a:outerShdw blurRad="38100" dist="19050" dir="2700000" algn="tl" rotWithShape="0">
-                    <a:schemeClr val="dk1">
-                      <a:alpha val="40000"/>
-                    </a:schemeClr>
-                  </a:outerShdw>
-                </a:effectLst>
-              </a:rPr>
-              <a:t>Validation des données : $</a:t>
-            </a:r>
-            <a:r>
-              <a:rPr lang="fr-FR" sz="2400" dirty="0" err="1">
-                <a:ln w="0"/>
-                <a:solidFill>
-                  <a:schemeClr val="tx1"/>
-                </a:solidFill>
-                <a:effectLst>
-                  <a:outerShdw blurRad="38100" dist="19050" dir="2700000" algn="tl" rotWithShape="0">
-                    <a:schemeClr val="dk1">
-                      <a:alpha val="40000"/>
-                    </a:schemeClr>
-                  </a:outerShdw>
-                </a:effectLst>
-              </a:rPr>
-              <a:t>jsonSchema</a:t>
-            </a:r>
-            <a:endParaRPr lang="fr-FR" sz="2400" dirty="0">
-              <a:ln w="0"/>
-              <a:solidFill>
-                <a:schemeClr val="tx1"/>
-              </a:solidFill>
-              <a:effectLst>
-                <a:outerShdw blurRad="38100" dist="19050" dir="2700000" algn="tl" rotWithShape="0">
-                  <a:schemeClr val="dk1">
-                    <a:alpha val="40000"/>
-                  </a:schemeClr>
-                </a:outerShdw>
-              </a:effectLst>
-            </a:endParaRPr>
-          </a:p>
-          <a:p>
-            <a:pPr marL="800100" lvl="1" indent="-342900">
-              <a:buFont typeface="Wingdings" panose="05000000000000000000" pitchFamily="2" charset="2"/>
-              <a:buChar char="§"/>
-            </a:pPr>
-            <a:endParaRPr lang="fr-FR" sz="2400" dirty="0">
-              <a:ln w="0"/>
-              <a:solidFill>
-                <a:schemeClr val="tx1"/>
-              </a:solidFill>
-              <a:effectLst>
-                <a:outerShdw blurRad="38100" dist="19050" dir="2700000" algn="tl" rotWithShape="0">
-                  <a:schemeClr val="dk1">
-                    <a:alpha val="40000"/>
-                  </a:schemeClr>
-                </a:outerShdw>
-              </a:effectLst>
-            </a:endParaRPr>
-          </a:p>
-        </p:txBody>
-      </p:sp>
-      <p:pic>
-        <p:nvPicPr>
-          <p:cNvPr id="10" name="Image 9">
-            <a:extLst>
-              <a:ext uri="{FF2B5EF4-FFF2-40B4-BE49-F238E27FC236}">
-                <a16:creationId xmlns:a16="http://schemas.microsoft.com/office/drawing/2014/main" id="{795CFEEF-1BCB-DEAC-FECA-A7FC5D6B6628}"/>
-              </a:ext>
-            </a:extLst>
-          </p:cNvPr>
-          <p:cNvPicPr>
-            <a:picLocks noChangeAspect="1"/>
-          </p:cNvPicPr>
-          <p:nvPr/>
-        </p:nvPicPr>
-        <p:blipFill>
-          <a:blip r:embed="rId3"/>
-          <a:stretch>
-            <a:fillRect/>
-          </a:stretch>
-        </p:blipFill>
-        <p:spPr>
-          <a:xfrm>
-            <a:off x="7885644" y="994014"/>
-            <a:ext cx="3983800" cy="4488170"/>
-          </a:xfrm>
-          <a:prstGeom prst="rect">
-            <a:avLst/>
-          </a:prstGeom>
-          <a:ln w="127000" cap="sq">
-            <a:solidFill>
-              <a:srgbClr val="000000"/>
-            </a:solidFill>
-            <a:miter lim="800000"/>
-          </a:ln>
-          <a:effectLst>
-            <a:outerShdw blurRad="57150" dist="50800" dir="2700000" algn="tl" rotWithShape="0">
-              <a:srgbClr val="000000">
-                <a:alpha val="40000"/>
-              </a:srgbClr>
-            </a:outerShdw>
-          </a:effectLst>
-        </p:spPr>
-      </p:pic>
-    </p:spTree>
-    <p:extLst>
-      <p:ext uri="{BB962C8B-B14F-4D97-AF65-F5344CB8AC3E}">
-        <p14:creationId xmlns:p14="http://schemas.microsoft.com/office/powerpoint/2010/main" val="1313238239"/>
-      </p:ext>
-    </p:extLst>
-  </p:cSld>
-  <p:clrMapOvr>
-    <a:masterClrMapping/>
-  </p:clrMapOvr>
-</p:sld>
-</file>
-
-<file path=ppt/slides/slide9.xml><?xml version="1.0" encoding="utf-8"?>
-<p:sld xmlns:a="http://schemas.openxmlformats.org/drawingml/2006/main" xmlns:r="http://schemas.openxmlformats.org/officeDocument/2006/relationships" xmlns:p="http://schemas.openxmlformats.org/presentationml/2006/main">
-  <p:cSld>
-    <p:spTree>
-      <p:nvGrpSpPr>
-        <p:cNvPr id="1" name=""/>
-        <p:cNvGrpSpPr/>
-        <p:nvPr/>
-      </p:nvGrpSpPr>
-      <p:grpSpPr>
-        <a:xfrm>
-          <a:off x="0" y="0"/>
-          <a:ext cx="0" cy="0"/>
-          <a:chOff x="0" y="0"/>
-          <a:chExt cx="0" cy="0"/>
-        </a:xfrm>
-      </p:grpSpPr>
-      <p:sp>
-        <p:nvSpPr>
-          <p:cNvPr id="5" name="ZoneTexte 4">
-            <a:extLst>
-              <a:ext uri="{FF2B5EF4-FFF2-40B4-BE49-F238E27FC236}">
-                <a16:creationId xmlns:a16="http://schemas.microsoft.com/office/drawing/2014/main" id="{0B2ED8B8-0727-741A-1C56-E3DE1A1767EA}"/>
-              </a:ext>
-            </a:extLst>
-          </p:cNvPr>
-          <p:cNvSpPr txBox="1"/>
-          <p:nvPr/>
-        </p:nvSpPr>
-        <p:spPr>
-          <a:xfrm>
-            <a:off x="10204141" y="6084503"/>
-            <a:ext cx="1665303" cy="369332"/>
-          </a:xfrm>
-          <a:prstGeom prst="rect">
-            <a:avLst/>
-          </a:prstGeom>
-        </p:spPr>
-        <p:style>
-          <a:lnRef idx="1">
-            <a:schemeClr val="dk1"/>
-          </a:lnRef>
-          <a:fillRef idx="3">
-            <a:schemeClr val="dk1"/>
-          </a:fillRef>
-          <a:effectRef idx="2">
-            <a:schemeClr val="dk1"/>
-          </a:effectRef>
-          <a:fontRef idx="minor">
-            <a:schemeClr val="lt1"/>
-          </a:fontRef>
-        </p:style>
-        <p:txBody>
-          <a:bodyPr wrap="square" rtlCol="0">
-            <a:spAutoFit/>
-          </a:bodyPr>
-          <a:lstStyle/>
-          <a:p>
-            <a:r>
-              <a:rPr lang="fr-FR" dirty="0">
-                <a:latin typeface="Sanskrit Text" panose="020B0502040204020203" pitchFamily="18" charset="0"/>
-                <a:cs typeface="Sanskrit Text" panose="020B0502040204020203" pitchFamily="18" charset="0"/>
-              </a:rPr>
-              <a:t>DataSoluTech</a:t>
-            </a:r>
-          </a:p>
-        </p:txBody>
-      </p:sp>
-      <p:sp>
-        <p:nvSpPr>
-          <p:cNvPr id="6" name="ZoneTexte 5">
-            <a:extLst>
-              <a:ext uri="{FF2B5EF4-FFF2-40B4-BE49-F238E27FC236}">
-                <a16:creationId xmlns:a16="http://schemas.microsoft.com/office/drawing/2014/main" id="{0471F84D-0937-AC19-2FEB-1DC877F0D5A9}"/>
-              </a:ext>
-            </a:extLst>
-          </p:cNvPr>
-          <p:cNvSpPr txBox="1"/>
-          <p:nvPr/>
-        </p:nvSpPr>
-        <p:spPr>
-          <a:xfrm>
-            <a:off x="468324" y="381740"/>
-            <a:ext cx="4538682" cy="523220"/>
-          </a:xfrm>
-          <a:prstGeom prst="rect">
-            <a:avLst/>
-          </a:prstGeom>
-        </p:spPr>
-        <p:style>
-          <a:lnRef idx="3">
-            <a:schemeClr val="lt1"/>
-          </a:lnRef>
-          <a:fillRef idx="1">
-            <a:schemeClr val="dk1"/>
-          </a:fillRef>
-          <a:effectRef idx="1">
-            <a:schemeClr val="dk1"/>
-          </a:effectRef>
-          <a:fontRef idx="minor">
-            <a:schemeClr val="lt1"/>
-          </a:fontRef>
-        </p:style>
-        <p:txBody>
-          <a:bodyPr wrap="square" rtlCol="0">
-            <a:spAutoFit/>
-          </a:bodyPr>
-          <a:lstStyle/>
-          <a:p>
-            <a:pPr algn="ctr"/>
-            <a:r>
-              <a:rPr lang="fr-FR" sz="2800" dirty="0"/>
-              <a:t>create_users.js</a:t>
-            </a:r>
-          </a:p>
-        </p:txBody>
-      </p:sp>
-      <p:sp>
-        <p:nvSpPr>
-          <p:cNvPr id="2" name="ZoneTexte 1">
-            <a:extLst>
-              <a:ext uri="{FF2B5EF4-FFF2-40B4-BE49-F238E27FC236}">
-                <a16:creationId xmlns:a16="http://schemas.microsoft.com/office/drawing/2014/main" id="{F5E5F98C-8874-98C5-169D-5A9511B072B4}"/>
-              </a:ext>
-            </a:extLst>
-          </p:cNvPr>
-          <p:cNvSpPr txBox="1"/>
-          <p:nvPr/>
-        </p:nvSpPr>
-        <p:spPr>
-          <a:xfrm>
-            <a:off x="790113" y="1399090"/>
-            <a:ext cx="6747029" cy="3785652"/>
-          </a:xfrm>
-          <a:prstGeom prst="rect">
-            <a:avLst/>
-          </a:prstGeom>
-          <a:ln>
-            <a:solidFill>
-              <a:schemeClr val="tx1"/>
-            </a:solidFill>
-          </a:ln>
-          <a:effectLst>
-            <a:outerShdw blurRad="149987" dist="250190" dir="8460000" algn="ctr">
-              <a:srgbClr val="000000">
-                <a:alpha val="28000"/>
-              </a:srgbClr>
-            </a:outerShdw>
-          </a:effectLst>
-          <a:scene3d>
-            <a:camera prst="orthographicFront">
-              <a:rot lat="0" lon="0" rev="0"/>
-            </a:camera>
-            <a:lightRig rig="contrasting" dir="t">
-              <a:rot lat="0" lon="0" rev="1500000"/>
-            </a:lightRig>
-          </a:scene3d>
-          <a:sp3d prstMaterial="metal">
-            <a:bevelT w="88900" h="88900"/>
-          </a:sp3d>
-        </p:spPr>
-        <p:style>
-          <a:lnRef idx="2">
-            <a:schemeClr val="dk1"/>
-          </a:lnRef>
-          <a:fillRef idx="1">
-            <a:schemeClr val="lt1"/>
-          </a:fillRef>
-          <a:effectRef idx="0">
-            <a:schemeClr val="dk1"/>
-          </a:effectRef>
-          <a:fontRef idx="minor">
-            <a:schemeClr val="dk1"/>
-          </a:fontRef>
-        </p:style>
-        <p:txBody>
-          <a:bodyPr wrap="square" rtlCol="0" anchor="ctr">
-            <a:spAutoFit/>
-          </a:bodyPr>
-          <a:lstStyle/>
-          <a:p>
-            <a:pPr marL="342900" indent="-342900">
-              <a:lnSpc>
-                <a:spcPct val="150000"/>
-              </a:lnSpc>
-              <a:buFont typeface="Wingdings" panose="05000000000000000000" pitchFamily="2" charset="2"/>
-              <a:buChar char="§"/>
-            </a:pPr>
-            <a:r>
-              <a:rPr lang="fr-FR" sz="2400" dirty="0">
-                <a:ln w="0"/>
-                <a:solidFill>
-                  <a:schemeClr val="tx1"/>
-                </a:solidFill>
-                <a:effectLst>
-                  <a:outerShdw blurRad="38100" dist="19050" dir="2700000" algn="tl" rotWithShape="0">
-                    <a:schemeClr val="dk1">
-                      <a:alpha val="40000"/>
-                    </a:schemeClr>
-                  </a:outerShdw>
-                </a:effectLst>
-              </a:rPr>
-              <a:t>Création des utilisateurs pour la base de données</a:t>
-            </a:r>
-          </a:p>
-          <a:p>
-            <a:pPr marL="342900" indent="-342900">
-              <a:lnSpc>
-                <a:spcPct val="150000"/>
-              </a:lnSpc>
-              <a:buFont typeface="Wingdings" panose="05000000000000000000" pitchFamily="2" charset="2"/>
-              <a:buChar char="§"/>
-            </a:pPr>
-            <a:r>
-              <a:rPr lang="fr-FR" sz="2400" u="sng" dirty="0">
-                <a:ln w="0"/>
-                <a:solidFill>
-                  <a:schemeClr val="tx1"/>
-                </a:solidFill>
-                <a:effectLst>
-                  <a:outerShdw blurRad="38100" dist="19050" dir="2700000" algn="tl" rotWithShape="0">
-                    <a:schemeClr val="dk1">
-                      <a:alpha val="40000"/>
-                    </a:schemeClr>
-                  </a:outerShdw>
-                </a:effectLst>
-              </a:rPr>
-              <a:t>3 profils de base </a:t>
-            </a:r>
-            <a:r>
-              <a:rPr lang="fr-FR" sz="2400" dirty="0">
-                <a:ln w="0"/>
-                <a:solidFill>
-                  <a:schemeClr val="tx1"/>
-                </a:solidFill>
-                <a:effectLst>
-                  <a:outerShdw blurRad="38100" dist="19050" dir="2700000" algn="tl" rotWithShape="0">
-                    <a:schemeClr val="dk1">
-                      <a:alpha val="40000"/>
-                    </a:schemeClr>
-                  </a:outerShdw>
-                </a:effectLst>
-              </a:rPr>
-              <a:t>:</a:t>
-            </a:r>
-          </a:p>
-          <a:p>
-            <a:pPr marL="914400" lvl="1" indent="-457200">
-              <a:lnSpc>
-                <a:spcPct val="150000"/>
-              </a:lnSpc>
-              <a:buFont typeface="Arial" panose="020B0604020202020204" pitchFamily="34" charset="0"/>
-              <a:buChar char="•"/>
-            </a:pPr>
-            <a:r>
-              <a:rPr lang="fr-FR" sz="2400" dirty="0">
-                <a:ln w="0"/>
-                <a:solidFill>
-                  <a:schemeClr val="tx1"/>
-                </a:solidFill>
-                <a:effectLst>
-                  <a:outerShdw blurRad="38100" dist="19050" dir="2700000" algn="tl" rotWithShape="0">
-                    <a:schemeClr val="dk1">
-                      <a:alpha val="40000"/>
-                    </a:schemeClr>
-                  </a:outerShdw>
-                </a:effectLst>
-              </a:rPr>
-              <a:t>Admin</a:t>
-            </a:r>
-          </a:p>
-          <a:p>
-            <a:pPr marL="914400" lvl="1" indent="-457200">
-              <a:lnSpc>
-                <a:spcPct val="150000"/>
-              </a:lnSpc>
-              <a:buFont typeface="Arial" panose="020B0604020202020204" pitchFamily="34" charset="0"/>
-              <a:buChar char="•"/>
-            </a:pPr>
-            <a:r>
-              <a:rPr lang="fr-FR" sz="2400" dirty="0" err="1">
-                <a:ln w="0"/>
-                <a:solidFill>
-                  <a:schemeClr val="tx1"/>
-                </a:solidFill>
-                <a:effectLst>
-                  <a:outerShdw blurRad="38100" dist="19050" dir="2700000" algn="tl" rotWithShape="0">
-                    <a:schemeClr val="dk1">
-                      <a:alpha val="40000"/>
-                    </a:schemeClr>
-                  </a:outerShdw>
-                </a:effectLst>
-              </a:rPr>
-              <a:t>Developper</a:t>
-            </a:r>
-            <a:endParaRPr lang="fr-FR" sz="2400" dirty="0">
-              <a:ln w="0"/>
-              <a:solidFill>
-                <a:schemeClr val="tx1"/>
-              </a:solidFill>
-              <a:effectLst>
-                <a:outerShdw blurRad="38100" dist="19050" dir="2700000" algn="tl" rotWithShape="0">
-                  <a:schemeClr val="dk1">
-                    <a:alpha val="40000"/>
-                  </a:schemeClr>
-                </a:outerShdw>
-              </a:effectLst>
-            </a:endParaRPr>
-          </a:p>
-          <a:p>
-            <a:pPr marL="914400" lvl="1" indent="-457200">
-              <a:lnSpc>
-                <a:spcPct val="150000"/>
-              </a:lnSpc>
-              <a:buFont typeface="Arial" panose="020B0604020202020204" pitchFamily="34" charset="0"/>
-              <a:buChar char="•"/>
-            </a:pPr>
-            <a:r>
-              <a:rPr lang="fr-FR" sz="2400" dirty="0">
-                <a:ln w="0"/>
-                <a:solidFill>
-                  <a:schemeClr val="tx1"/>
-                </a:solidFill>
-                <a:effectLst>
-                  <a:outerShdw blurRad="38100" dist="19050" dir="2700000" algn="tl" rotWithShape="0">
-                    <a:schemeClr val="dk1">
-                      <a:alpha val="40000"/>
-                    </a:schemeClr>
-                  </a:outerShdw>
-                </a:effectLst>
-              </a:rPr>
-              <a:t>Read </a:t>
-            </a:r>
-            <a:r>
-              <a:rPr lang="fr-FR" sz="2400" dirty="0" err="1">
-                <a:ln w="0"/>
-                <a:solidFill>
-                  <a:schemeClr val="tx1"/>
-                </a:solidFill>
-                <a:effectLst>
-                  <a:outerShdw blurRad="38100" dist="19050" dir="2700000" algn="tl" rotWithShape="0">
-                    <a:schemeClr val="dk1">
-                      <a:alpha val="40000"/>
-                    </a:schemeClr>
-                  </a:outerShdw>
-                </a:effectLst>
-              </a:rPr>
-              <a:t>Only</a:t>
-            </a:r>
-            <a:endParaRPr lang="fr-FR" sz="2400" dirty="0">
-              <a:ln w="0"/>
-              <a:solidFill>
-                <a:schemeClr val="tx1"/>
-              </a:solidFill>
-              <a:effectLst>
-                <a:outerShdw blurRad="38100" dist="19050" dir="2700000" algn="tl" rotWithShape="0">
-                  <a:schemeClr val="dk1">
-                    <a:alpha val="40000"/>
-                  </a:schemeClr>
-                </a:outerShdw>
-              </a:effectLst>
-            </a:endParaRPr>
-          </a:p>
-          <a:p>
-            <a:pPr marL="342900" indent="-342900">
-              <a:lnSpc>
-                <a:spcPct val="150000"/>
-              </a:lnSpc>
-              <a:buFont typeface="Wingdings" panose="05000000000000000000" pitchFamily="2" charset="2"/>
-              <a:buChar char="§"/>
-            </a:pPr>
-            <a:r>
-              <a:rPr lang="fr-FR" sz="2400" dirty="0">
-                <a:ln w="0"/>
-                <a:solidFill>
-                  <a:schemeClr val="tx1"/>
-                </a:solidFill>
-                <a:effectLst>
-                  <a:outerShdw blurRad="38100" dist="19050" dir="2700000" algn="tl" rotWithShape="0">
-                    <a:schemeClr val="dk1">
-                      <a:alpha val="40000"/>
-                    </a:schemeClr>
-                  </a:outerShdw>
-                </a:effectLst>
-              </a:rPr>
-              <a:t>Définis dans le fichier ‘.</a:t>
-            </a:r>
-            <a:r>
-              <a:rPr lang="fr-FR" sz="2400" dirty="0" err="1">
-                <a:ln w="0"/>
-                <a:solidFill>
-                  <a:schemeClr val="tx1"/>
-                </a:solidFill>
-                <a:effectLst>
-                  <a:outerShdw blurRad="38100" dist="19050" dir="2700000" algn="tl" rotWithShape="0">
-                    <a:schemeClr val="dk1">
-                      <a:alpha val="40000"/>
-                    </a:schemeClr>
-                  </a:outerShdw>
-                </a:effectLst>
-              </a:rPr>
-              <a:t>env</a:t>
-            </a:r>
-            <a:r>
-              <a:rPr lang="fr-FR" sz="2400" dirty="0">
-                <a:ln w="0"/>
-                <a:solidFill>
-                  <a:schemeClr val="tx1"/>
-                </a:solidFill>
-                <a:effectLst>
-                  <a:outerShdw blurRad="38100" dist="19050" dir="2700000" algn="tl" rotWithShape="0">
-                    <a:schemeClr val="dk1">
-                      <a:alpha val="40000"/>
-                    </a:schemeClr>
-                  </a:outerShdw>
-                </a:effectLst>
-              </a:rPr>
-              <a:t>’</a:t>
-            </a:r>
-          </a:p>
-          <a:p>
-            <a:pPr marL="800100" lvl="1" indent="-342900">
-              <a:buFont typeface="Wingdings" panose="05000000000000000000" pitchFamily="2" charset="2"/>
-              <a:buChar char="§"/>
-            </a:pPr>
-            <a:endParaRPr lang="fr-FR" sz="2400" dirty="0">
-              <a:ln w="0"/>
-              <a:solidFill>
-                <a:schemeClr val="tx1"/>
-              </a:solidFill>
-              <a:effectLst>
-                <a:outerShdw blurRad="38100" dist="19050" dir="2700000" algn="tl" rotWithShape="0">
-                  <a:schemeClr val="dk1">
-                    <a:alpha val="40000"/>
-                  </a:schemeClr>
-                </a:outerShdw>
-              </a:effectLst>
-            </a:endParaRPr>
-          </a:p>
-        </p:txBody>
-      </p:sp>
-      <p:pic>
-        <p:nvPicPr>
-          <p:cNvPr id="7" name="Image 6">
-            <a:extLst>
-              <a:ext uri="{FF2B5EF4-FFF2-40B4-BE49-F238E27FC236}">
-                <a16:creationId xmlns:a16="http://schemas.microsoft.com/office/drawing/2014/main" id="{9ED9FA42-D467-F333-B7E0-CEB0F9DEB8AC}"/>
-              </a:ext>
-            </a:extLst>
-          </p:cNvPr>
-          <p:cNvPicPr>
-            <a:picLocks noChangeAspect="1"/>
-          </p:cNvPicPr>
-          <p:nvPr/>
-        </p:nvPicPr>
-        <p:blipFill>
-          <a:blip r:embed="rId3"/>
-          <a:stretch>
-            <a:fillRect/>
-          </a:stretch>
-        </p:blipFill>
-        <p:spPr>
-          <a:xfrm>
-            <a:off x="7939966" y="1048805"/>
-            <a:ext cx="3929478" cy="4486222"/>
-          </a:xfrm>
-          <a:prstGeom prst="rect">
-            <a:avLst/>
-          </a:prstGeom>
-          <a:ln w="127000" cap="sq">
-            <a:solidFill>
-              <a:srgbClr val="000000"/>
-            </a:solidFill>
-            <a:miter lim="800000"/>
-          </a:ln>
-          <a:effectLst>
-            <a:outerShdw blurRad="57150" dist="50800" dir="2700000" algn="tl" rotWithShape="0">
-              <a:srgbClr val="000000">
-                <a:alpha val="40000"/>
-              </a:srgbClr>
-            </a:outerShdw>
-          </a:effectLst>
-        </p:spPr>
-      </p:pic>
-    </p:spTree>
-    <p:extLst>
-      <p:ext uri="{BB962C8B-B14F-4D97-AF65-F5344CB8AC3E}">
-        <p14:creationId xmlns:p14="http://schemas.microsoft.com/office/powerpoint/2010/main" val="510904899"/>
+        <p14:creationId xmlns:p14="http://schemas.microsoft.com/office/powerpoint/2010/main" val="2978561106"/>
       </p:ext>
     </p:extLst>
   </p:cSld>
@@ -9870,6 +10638,6 @@
 
 <file path=docMetadata/LabelInfo.xml><?xml version="1.0" encoding="utf-8"?>
 <clbl:labelList xmlns:clbl="http://schemas.microsoft.com/office/2020/mipLabelMetadata">
-  <clbl:label id="{e6c818a6-e1a0-4a6e-a969-20d857c5dc62}" enabled="1" method="Standard" siteId="{90c7a20a-f34b-40bf-bc48-b9253b6f5d20}" contentBits="2" removed="0"/>
+  <clbl:label id="{07222825-62ea-40f3-96b5-5375c07996e2}" enabled="1" method="Privileged" siteId="{90c7a20a-f34b-40bf-bc48-b9253b6f5d20}" contentBits="0" removed="0"/>
 </clbl:labelList>
 </file>
--- a/Diaz_Joaquim_4_presentation_122024.pptx
+++ b/Diaz_Joaquim_4_presentation_122024.pptx
@@ -10033,6 +10033,48 @@
           </a:sp3d>
         </p:spPr>
       </p:pic>
+      <p:sp>
+        <p:nvSpPr>
+          <p:cNvPr id="2" name="ZoneTexte 1">
+            <a:extLst>
+              <a:ext uri="{FF2B5EF4-FFF2-40B4-BE49-F238E27FC236}">
+                <a16:creationId xmlns:a16="http://schemas.microsoft.com/office/drawing/2014/main" id="{28804535-B9D1-8279-989E-334BD03551A5}"/>
+              </a:ext>
+            </a:extLst>
+          </p:cNvPr>
+          <p:cNvSpPr txBox="1"/>
+          <p:nvPr/>
+        </p:nvSpPr>
+        <p:spPr>
+          <a:xfrm>
+            <a:off x="5936292" y="2936984"/>
+            <a:ext cx="5539666" cy="369332"/>
+          </a:xfrm>
+          <a:prstGeom prst="rect">
+            <a:avLst/>
+          </a:prstGeom>
+          <a:noFill/>
+        </p:spPr>
+        <p:txBody>
+          <a:bodyPr wrap="square" rtlCol="0">
+            <a:spAutoFit/>
+          </a:bodyPr>
+          <a:lstStyle/>
+          <a:p>
+            <a:r>
+              <a:rPr lang="en-US" dirty="0"/>
+              <a:t>Lien : </a:t>
+            </a:r>
+            <a:r>
+              <a:rPr lang="fr-FR" dirty="0">
+                <a:hlinkClick r:id="rId3"/>
+              </a:rPr>
+              <a:t>JoaquimDiaz/migration_mongodb</a:t>
+            </a:r>
+            <a:endParaRPr lang="fr-FR" dirty="0"/>
+          </a:p>
+        </p:txBody>
+      </p:sp>
     </p:spTree>
     <p:extLst>
       <p:ext uri="{BB962C8B-B14F-4D97-AF65-F5344CB8AC3E}">
